--- a/COMP704/12/2019-20-COMP704-12-lecture-materials.pptx
+++ b/COMP704/12/2019-20-COMP704-12-lecture-materials.pptx
@@ -5,7 +5,7 @@
     <p:sldMasterId id="2147483660" r:id="rId1"/>
   </p:sldMasterIdLst>
   <p:notesMasterIdLst>
-    <p:notesMasterId r:id="rId17"/>
+    <p:notesMasterId r:id="rId18"/>
   </p:notesMasterIdLst>
   <p:sldIdLst>
     <p:sldId id="256" r:id="rId2"/>
@@ -14,15 +14,16 @@
     <p:sldId id="340" r:id="rId5"/>
     <p:sldId id="341" r:id="rId6"/>
     <p:sldId id="342" r:id="rId7"/>
-    <p:sldId id="343" r:id="rId8"/>
-    <p:sldId id="344" r:id="rId9"/>
-    <p:sldId id="345" r:id="rId10"/>
-    <p:sldId id="346" r:id="rId11"/>
-    <p:sldId id="347" r:id="rId12"/>
-    <p:sldId id="348" r:id="rId13"/>
-    <p:sldId id="349" r:id="rId14"/>
-    <p:sldId id="350" r:id="rId15"/>
-    <p:sldId id="351" r:id="rId16"/>
+    <p:sldId id="352" r:id="rId8"/>
+    <p:sldId id="343" r:id="rId9"/>
+    <p:sldId id="344" r:id="rId10"/>
+    <p:sldId id="345" r:id="rId11"/>
+    <p:sldId id="346" r:id="rId12"/>
+    <p:sldId id="347" r:id="rId13"/>
+    <p:sldId id="348" r:id="rId14"/>
+    <p:sldId id="349" r:id="rId15"/>
+    <p:sldId id="350" r:id="rId16"/>
+    <p:sldId id="351" r:id="rId17"/>
   </p:sldIdLst>
   <p:sldSz cx="9144000" cy="6858000" type="screen4x3"/>
   <p:notesSz cx="6858000" cy="9144000"/>
@@ -9583,6 +9584,810 @@
               <a:rPr lang="en-GB" sz="2400" dirty="0">
                 <a:latin typeface="Consolas" panose="020B0609020204030204" pitchFamily="49" charset="0"/>
               </a:rPr>
+              <a:t>if </a:t>
+            </a:r>
+            <a:r>
+              <a:rPr lang="en-GB" sz="2400" dirty="0">
+                <a:solidFill>
+                  <a:schemeClr val="accent6"/>
+                </a:solidFill>
+                <a:latin typeface="Consolas" panose="020B0609020204030204" pitchFamily="49" charset="0"/>
+              </a:rPr>
+              <a:t>&lt;variable&gt;</a:t>
+            </a:r>
+            <a:r>
+              <a:rPr lang="en-GB" sz="2400" dirty="0">
+                <a:latin typeface="Consolas" panose="020B0609020204030204" pitchFamily="49" charset="0"/>
+              </a:rPr>
+              <a:t> &gt; </a:t>
+            </a:r>
+            <a:r>
+              <a:rPr lang="en-GB" sz="2400" dirty="0">
+                <a:solidFill>
+                  <a:schemeClr val="accent6"/>
+                </a:solidFill>
+                <a:latin typeface="Consolas" panose="020B0609020204030204" pitchFamily="49" charset="0"/>
+              </a:rPr>
+              <a:t>&lt;expr&gt;</a:t>
+            </a:r>
+          </a:p>
+          <a:p>
+            <a:r>
+              <a:rPr lang="en-GB" sz="2400" dirty="0">
+                <a:latin typeface="Consolas" panose="020B0609020204030204" pitchFamily="49" charset="0"/>
+              </a:rPr>
+              <a:t>	</a:t>
+            </a:r>
+            <a:r>
+              <a:rPr lang="en-GB" sz="2400" dirty="0">
+                <a:solidFill>
+                  <a:schemeClr val="accent6"/>
+                </a:solidFill>
+                <a:latin typeface="Consolas" panose="020B0609020204030204" pitchFamily="49" charset="0"/>
+              </a:rPr>
+              <a:t>&lt;statement&gt;</a:t>
+            </a:r>
+          </a:p>
+          <a:p>
+            <a:r>
+              <a:rPr lang="en-GB" sz="2400" dirty="0">
+                <a:latin typeface="Consolas" panose="020B0609020204030204" pitchFamily="49" charset="0"/>
+              </a:rPr>
+              <a:t>else</a:t>
+            </a:r>
+          </a:p>
+          <a:p>
+            <a:r>
+              <a:rPr lang="en-GB" sz="2400" dirty="0">
+                <a:latin typeface="Consolas" panose="020B0609020204030204" pitchFamily="49" charset="0"/>
+              </a:rPr>
+              <a:t>	</a:t>
+            </a:r>
+            <a:r>
+              <a:rPr lang="en-GB" sz="2400" dirty="0">
+                <a:solidFill>
+                  <a:schemeClr val="accent6"/>
+                </a:solidFill>
+                <a:latin typeface="Consolas" panose="020B0609020204030204" pitchFamily="49" charset="0"/>
+              </a:rPr>
+              <a:t>&lt;statement&gt;</a:t>
+            </a:r>
+          </a:p>
+        </p:txBody>
+      </p:sp>
+      <p:graphicFrame>
+        <p:nvGraphicFramePr>
+          <p:cNvPr id="8" name="Table 6">
+            <a:extLst>
+              <a:ext uri="{FF2B5EF4-FFF2-40B4-BE49-F238E27FC236}">
+                <a16:creationId xmlns:a16="http://schemas.microsoft.com/office/drawing/2014/main" id="{E8711A1E-5494-4379-B67B-ADB380068891}"/>
+              </a:ext>
+            </a:extLst>
+          </p:cNvPr>
+          <p:cNvGraphicFramePr>
+            <a:graphicFrameLocks noGrp="1"/>
+          </p:cNvGraphicFramePr>
+          <p:nvPr>
+            <p:extLst>
+              <p:ext uri="{D42A27DB-BD31-4B8C-83A1-F6EECF244321}">
+                <p14:modId xmlns:p14="http://schemas.microsoft.com/office/powerpoint/2010/main" val="3686399583"/>
+              </p:ext>
+            </p:extLst>
+          </p:nvPr>
+        </p:nvGraphicFramePr>
+        <p:xfrm>
+          <a:off x="467544" y="4581128"/>
+          <a:ext cx="4876800" cy="370840"/>
+        </p:xfrm>
+        <a:graphic>
+          <a:graphicData uri="http://schemas.openxmlformats.org/drawingml/2006/table">
+            <a:tbl>
+              <a:tblPr bandRow="1">
+                <a:tableStyleId>{5C22544A-7EE6-4342-B048-85BDC9FD1C3A}</a:tableStyleId>
+              </a:tblPr>
+              <a:tblGrid>
+                <a:gridCol w="609600">
+                  <a:extLst>
+                    <a:ext uri="{9D8B030D-6E8A-4147-A177-3AD203B41FA5}">
+                      <a16:colId xmlns:a16="http://schemas.microsoft.com/office/drawing/2014/main" val="2441681079"/>
+                    </a:ext>
+                  </a:extLst>
+                </a:gridCol>
+                <a:gridCol w="609600">
+                  <a:extLst>
+                    <a:ext uri="{9D8B030D-6E8A-4147-A177-3AD203B41FA5}">
+                      <a16:colId xmlns:a16="http://schemas.microsoft.com/office/drawing/2014/main" val="4205758018"/>
+                    </a:ext>
+                  </a:extLst>
+                </a:gridCol>
+                <a:gridCol w="609600">
+                  <a:extLst>
+                    <a:ext uri="{9D8B030D-6E8A-4147-A177-3AD203B41FA5}">
+                      <a16:colId xmlns:a16="http://schemas.microsoft.com/office/drawing/2014/main" val="1755091250"/>
+                    </a:ext>
+                  </a:extLst>
+                </a:gridCol>
+                <a:gridCol w="609600">
+                  <a:extLst>
+                    <a:ext uri="{9D8B030D-6E8A-4147-A177-3AD203B41FA5}">
+                      <a16:colId xmlns:a16="http://schemas.microsoft.com/office/drawing/2014/main" val="4081397589"/>
+                    </a:ext>
+                  </a:extLst>
+                </a:gridCol>
+                <a:gridCol w="609600">
+                  <a:extLst>
+                    <a:ext uri="{9D8B030D-6E8A-4147-A177-3AD203B41FA5}">
+                      <a16:colId xmlns:a16="http://schemas.microsoft.com/office/drawing/2014/main" val="3726334863"/>
+                    </a:ext>
+                  </a:extLst>
+                </a:gridCol>
+                <a:gridCol w="609600">
+                  <a:extLst>
+                    <a:ext uri="{9D8B030D-6E8A-4147-A177-3AD203B41FA5}">
+                      <a16:colId xmlns:a16="http://schemas.microsoft.com/office/drawing/2014/main" val="3541494777"/>
+                    </a:ext>
+                  </a:extLst>
+                </a:gridCol>
+                <a:gridCol w="609600">
+                  <a:extLst>
+                    <a:ext uri="{9D8B030D-6E8A-4147-A177-3AD203B41FA5}">
+                      <a16:colId xmlns:a16="http://schemas.microsoft.com/office/drawing/2014/main" val="1252606793"/>
+                    </a:ext>
+                  </a:extLst>
+                </a:gridCol>
+                <a:gridCol w="609600">
+                  <a:extLst>
+                    <a:ext uri="{9D8B030D-6E8A-4147-A177-3AD203B41FA5}">
+                      <a16:colId xmlns:a16="http://schemas.microsoft.com/office/drawing/2014/main" val="705826219"/>
+                    </a:ext>
+                  </a:extLst>
+                </a:gridCol>
+              </a:tblGrid>
+              <a:tr h="370840">
+                <a:tc>
+                  <a:txBody>
+                    <a:bodyPr/>
+                    <a:lstStyle/>
+                    <a:p>
+                      <a:pPr algn="ctr"/>
+                      <a:r>
+                        <a:rPr lang="en-GB" dirty="0"/>
+                        <a:t>0</a:t>
+                      </a:r>
+                    </a:p>
+                  </a:txBody>
+                  <a:tcPr/>
+                </a:tc>
+                <a:tc>
+                  <a:txBody>
+                    <a:bodyPr/>
+                    <a:lstStyle/>
+                    <a:p>
+                      <a:pPr algn="ctr"/>
+                      <a:r>
+                        <a:rPr lang="en-GB" dirty="0"/>
+                        <a:t>1</a:t>
+                      </a:r>
+                    </a:p>
+                  </a:txBody>
+                  <a:tcPr/>
+                </a:tc>
+                <a:tc>
+                  <a:txBody>
+                    <a:bodyPr/>
+                    <a:lstStyle/>
+                    <a:p>
+                      <a:pPr algn="ctr"/>
+                      <a:r>
+                        <a:rPr lang="en-GB" dirty="0"/>
+                        <a:t>0</a:t>
+                      </a:r>
+                    </a:p>
+                  </a:txBody>
+                  <a:tcPr/>
+                </a:tc>
+                <a:tc>
+                  <a:txBody>
+                    <a:bodyPr/>
+                    <a:lstStyle/>
+                    <a:p>
+                      <a:pPr algn="ctr"/>
+                      <a:r>
+                        <a:rPr lang="en-GB" dirty="0"/>
+                        <a:t>27</a:t>
+                      </a:r>
+                    </a:p>
+                  </a:txBody>
+                  <a:tcPr/>
+                </a:tc>
+                <a:tc>
+                  <a:txBody>
+                    <a:bodyPr/>
+                    <a:lstStyle/>
+                    <a:p>
+                      <a:pPr algn="ctr"/>
+                      <a:r>
+                        <a:rPr lang="en-GB" dirty="0"/>
+                        <a:t>1</a:t>
+                      </a:r>
+                    </a:p>
+                  </a:txBody>
+                  <a:tcPr/>
+                </a:tc>
+                <a:tc>
+                  <a:txBody>
+                    <a:bodyPr/>
+                    <a:lstStyle/>
+                    <a:p>
+                      <a:pPr algn="ctr"/>
+                      <a:r>
+                        <a:rPr lang="en-GB" dirty="0"/>
+                        <a:t>10</a:t>
+                      </a:r>
+                    </a:p>
+                  </a:txBody>
+                  <a:tcPr/>
+                </a:tc>
+                <a:tc>
+                  <a:txBody>
+                    <a:bodyPr/>
+                    <a:lstStyle/>
+                    <a:p>
+                      <a:pPr algn="ctr"/>
+                      <a:r>
+                        <a:rPr lang="en-GB" dirty="0"/>
+                        <a:t>1</a:t>
+                      </a:r>
+                    </a:p>
+                  </a:txBody>
+                  <a:tcPr/>
+                </a:tc>
+                <a:tc>
+                  <a:txBody>
+                    <a:bodyPr/>
+                    <a:lstStyle/>
+                    <a:p>
+                      <a:pPr algn="ctr"/>
+                      <a:r>
+                        <a:rPr lang="en-GB" dirty="0"/>
+                        <a:t>…</a:t>
+                      </a:r>
+                    </a:p>
+                  </a:txBody>
+                  <a:tcPr/>
+                </a:tc>
+                <a:extLst>
+                  <a:ext uri="{0D108BD9-81ED-4DB2-BD59-A6C34878D82A}">
+                    <a16:rowId xmlns:a16="http://schemas.microsoft.com/office/drawing/2014/main" val="1940081025"/>
+                  </a:ext>
+                </a:extLst>
+              </a:tr>
+            </a:tbl>
+          </a:graphicData>
+        </a:graphic>
+      </p:graphicFrame>
+      <p:cxnSp>
+        <p:nvCxnSpPr>
+          <p:cNvPr id="9" name="Straight Arrow Connector 8">
+            <a:extLst>
+              <a:ext uri="{FF2B5EF4-FFF2-40B4-BE49-F238E27FC236}">
+                <a16:creationId xmlns:a16="http://schemas.microsoft.com/office/drawing/2014/main" id="{62610AE7-530B-4E38-81F6-F8B4182CEB19}"/>
+              </a:ext>
+            </a:extLst>
+          </p:cNvPr>
+          <p:cNvCxnSpPr/>
+          <p:nvPr/>
+        </p:nvCxnSpPr>
+        <p:spPr>
+          <a:xfrm>
+            <a:off x="2627784" y="4149080"/>
+            <a:ext cx="0" cy="360040"/>
+          </a:xfrm>
+          <a:prstGeom prst="straightConnector1">
+            <a:avLst/>
+          </a:prstGeom>
+          <a:ln>
+            <a:tailEnd type="triangle"/>
+          </a:ln>
+        </p:spPr>
+        <p:style>
+          <a:lnRef idx="1">
+            <a:schemeClr val="accent1"/>
+          </a:lnRef>
+          <a:fillRef idx="0">
+            <a:schemeClr val="accent1"/>
+          </a:fillRef>
+          <a:effectRef idx="0">
+            <a:schemeClr val="accent1"/>
+          </a:effectRef>
+          <a:fontRef idx="minor">
+            <a:schemeClr val="tx1"/>
+          </a:fontRef>
+        </p:style>
+      </p:cxnSp>
+    </p:spTree>
+    <p:extLst>
+      <p:ext uri="{BB962C8B-B14F-4D97-AF65-F5344CB8AC3E}">
+        <p14:creationId xmlns:p14="http://schemas.microsoft.com/office/powerpoint/2010/main" val="2614551160"/>
+      </p:ext>
+    </p:extLst>
+  </p:cSld>
+  <p:clrMapOvr>
+    <a:masterClrMapping/>
+  </p:clrMapOvr>
+</p:sld>
+</file>
+
+<file path=ppt/slides/slide11.xml><?xml version="1.0" encoding="utf-8"?>
+<p:sld xmlns:a="http://schemas.openxmlformats.org/drawingml/2006/main" xmlns:r="http://schemas.openxmlformats.org/officeDocument/2006/relationships" xmlns:p="http://schemas.openxmlformats.org/presentationml/2006/main">
+  <p:cSld>
+    <p:spTree>
+      <p:nvGrpSpPr>
+        <p:cNvPr id="1" name=""/>
+        <p:cNvGrpSpPr/>
+        <p:nvPr/>
+      </p:nvGrpSpPr>
+      <p:grpSpPr>
+        <a:xfrm>
+          <a:off x="0" y="0"/>
+          <a:ext cx="0" cy="0"/>
+          <a:chOff x="0" y="0"/>
+          <a:chExt cx="0" cy="0"/>
+        </a:xfrm>
+      </p:grpSpPr>
+      <p:sp>
+        <p:nvSpPr>
+          <p:cNvPr id="2" name="Title 1">
+            <a:extLst>
+              <a:ext uri="{FF2B5EF4-FFF2-40B4-BE49-F238E27FC236}">
+                <a16:creationId xmlns:a16="http://schemas.microsoft.com/office/drawing/2014/main" id="{6E70DE25-7C8C-40FC-838C-7EB17BA1CFB1}"/>
+              </a:ext>
+            </a:extLst>
+          </p:cNvPr>
+          <p:cNvSpPr>
+            <a:spLocks noGrp="1"/>
+          </p:cNvSpPr>
+          <p:nvPr>
+            <p:ph type="title"/>
+          </p:nvPr>
+        </p:nvSpPr>
+        <p:spPr/>
+        <p:txBody>
+          <a:bodyPr/>
+          <a:lstStyle/>
+          <a:p>
+            <a:r>
+              <a:rPr lang="en-GB" dirty="0"/>
+              <a:t>Grammatical evolution example</a:t>
+            </a:r>
+          </a:p>
+        </p:txBody>
+      </p:sp>
+      <p:sp>
+        <p:nvSpPr>
+          <p:cNvPr id="4" name="Content Placeholder 2">
+            <a:extLst>
+              <a:ext uri="{FF2B5EF4-FFF2-40B4-BE49-F238E27FC236}">
+                <a16:creationId xmlns:a16="http://schemas.microsoft.com/office/drawing/2014/main" id="{658F0DBC-072C-4EE5-B410-0541385247C0}"/>
+              </a:ext>
+            </a:extLst>
+          </p:cNvPr>
+          <p:cNvSpPr txBox="1">
+            <a:spLocks/>
+          </p:cNvSpPr>
+          <p:nvPr/>
+        </p:nvSpPr>
+        <p:spPr>
+          <a:xfrm>
+            <a:off x="3995937" y="1832641"/>
+            <a:ext cx="5148064" cy="3180536"/>
+          </a:xfrm>
+          <a:prstGeom prst="rect">
+            <a:avLst/>
+          </a:prstGeom>
+        </p:spPr>
+        <p:txBody>
+          <a:bodyPr vert="horz" lIns="91440" tIns="45720" rIns="91440" bIns="45720" rtlCol="0" anchor="ctr">
+            <a:normAutofit/>
+          </a:bodyPr>
+          <a:lstStyle>
+            <a:lvl1pPr marL="229500" indent="-229500" algn="l" defTabSz="342900" rtl="0" eaLnBrk="1" latinLnBrk="0" hangingPunct="1">
+              <a:spcBef>
+                <a:spcPct val="20000"/>
+              </a:spcBef>
+              <a:spcAft>
+                <a:spcPts val="450"/>
+              </a:spcAft>
+              <a:buClr>
+                <a:schemeClr val="accent2"/>
+              </a:buClr>
+              <a:buSzPct val="92000"/>
+              <a:buFont typeface="Wingdings 2" panose="05020102010507070707" pitchFamily="18" charset="2"/>
+              <a:buChar char=""/>
+              <a:defRPr sz="2400" kern="1200">
+                <a:solidFill>
+                  <a:schemeClr val="tx2"/>
+                </a:solidFill>
+                <a:latin typeface="+mn-lt"/>
+                <a:ea typeface="+mn-ea"/>
+                <a:cs typeface="+mn-cs"/>
+              </a:defRPr>
+            </a:lvl1pPr>
+            <a:lvl2pPr marL="472500" indent="-229500" algn="l" defTabSz="342900" rtl="0" eaLnBrk="1" latinLnBrk="0" hangingPunct="1">
+              <a:spcBef>
+                <a:spcPct val="20000"/>
+              </a:spcBef>
+              <a:spcAft>
+                <a:spcPts val="450"/>
+              </a:spcAft>
+              <a:buClr>
+                <a:schemeClr val="accent2"/>
+              </a:buClr>
+              <a:buSzPct val="92000"/>
+              <a:buFont typeface="Wingdings 2" panose="05020102010507070707" pitchFamily="18" charset="2"/>
+              <a:buChar char=""/>
+              <a:defRPr sz="2400" kern="1200">
+                <a:solidFill>
+                  <a:schemeClr val="tx2"/>
+                </a:solidFill>
+                <a:latin typeface="+mn-lt"/>
+                <a:ea typeface="+mn-ea"/>
+                <a:cs typeface="+mn-cs"/>
+              </a:defRPr>
+            </a:lvl2pPr>
+            <a:lvl3pPr marL="675000" indent="-202500" algn="l" defTabSz="342900" rtl="0" eaLnBrk="1" latinLnBrk="0" hangingPunct="1">
+              <a:spcBef>
+                <a:spcPct val="20000"/>
+              </a:spcBef>
+              <a:spcAft>
+                <a:spcPts val="450"/>
+              </a:spcAft>
+              <a:buClr>
+                <a:schemeClr val="accent2"/>
+              </a:buClr>
+              <a:buSzPct val="92000"/>
+              <a:buFont typeface="Wingdings 2" panose="05020102010507070707" pitchFamily="18" charset="2"/>
+              <a:buChar char=""/>
+              <a:defRPr sz="1800" kern="1200">
+                <a:solidFill>
+                  <a:schemeClr val="tx2"/>
+                </a:solidFill>
+                <a:latin typeface="+mn-lt"/>
+                <a:ea typeface="+mn-ea"/>
+                <a:cs typeface="+mn-cs"/>
+              </a:defRPr>
+            </a:lvl3pPr>
+            <a:lvl4pPr marL="931500" indent="-175500" algn="l" defTabSz="342900" rtl="0" eaLnBrk="1" latinLnBrk="0" hangingPunct="1">
+              <a:spcBef>
+                <a:spcPct val="20000"/>
+              </a:spcBef>
+              <a:spcAft>
+                <a:spcPts val="450"/>
+              </a:spcAft>
+              <a:buClr>
+                <a:schemeClr val="accent2"/>
+              </a:buClr>
+              <a:buSzPct val="92000"/>
+              <a:buFont typeface="Wingdings 2" panose="05020102010507070707" pitchFamily="18" charset="2"/>
+              <a:buChar char=""/>
+              <a:defRPr sz="1400" kern="1200">
+                <a:solidFill>
+                  <a:schemeClr val="tx2"/>
+                </a:solidFill>
+                <a:latin typeface="+mn-lt"/>
+                <a:ea typeface="+mn-ea"/>
+                <a:cs typeface="+mn-cs"/>
+              </a:defRPr>
+            </a:lvl4pPr>
+            <a:lvl5pPr marL="1201500" indent="-175500" algn="l" defTabSz="342900" rtl="0" eaLnBrk="1" latinLnBrk="0" hangingPunct="1">
+              <a:spcBef>
+                <a:spcPct val="20000"/>
+              </a:spcBef>
+              <a:spcAft>
+                <a:spcPts val="450"/>
+              </a:spcAft>
+              <a:buClr>
+                <a:schemeClr val="accent2"/>
+              </a:buClr>
+              <a:buSzPct val="92000"/>
+              <a:buFont typeface="Wingdings 2" panose="05020102010507070707" pitchFamily="18" charset="2"/>
+              <a:buChar char=""/>
+              <a:defRPr sz="1400" kern="1200">
+                <a:solidFill>
+                  <a:schemeClr val="tx2"/>
+                </a:solidFill>
+                <a:latin typeface="+mn-lt"/>
+                <a:ea typeface="+mn-ea"/>
+                <a:cs typeface="+mn-cs"/>
+              </a:defRPr>
+            </a:lvl5pPr>
+            <a:lvl6pPr marL="1425000" indent="-171450" algn="l" defTabSz="342900" rtl="0" eaLnBrk="1" latinLnBrk="0" hangingPunct="1">
+              <a:spcBef>
+                <a:spcPct val="20000"/>
+              </a:spcBef>
+              <a:spcAft>
+                <a:spcPts val="450"/>
+              </a:spcAft>
+              <a:buClr>
+                <a:schemeClr val="accent2"/>
+              </a:buClr>
+              <a:buSzPct val="92000"/>
+              <a:buFont typeface="Wingdings 2" panose="05020102010507070707" pitchFamily="18" charset="2"/>
+              <a:buChar char=""/>
+              <a:defRPr sz="900" kern="1200">
+                <a:solidFill>
+                  <a:schemeClr val="tx2"/>
+                </a:solidFill>
+                <a:latin typeface="+mn-lt"/>
+                <a:ea typeface="+mn-ea"/>
+                <a:cs typeface="+mn-cs"/>
+              </a:defRPr>
+            </a:lvl6pPr>
+            <a:lvl7pPr marL="1650000" indent="-171450" algn="l" defTabSz="342900" rtl="0" eaLnBrk="1" latinLnBrk="0" hangingPunct="1">
+              <a:spcBef>
+                <a:spcPct val="20000"/>
+              </a:spcBef>
+              <a:spcAft>
+                <a:spcPts val="450"/>
+              </a:spcAft>
+              <a:buClr>
+                <a:schemeClr val="accent2"/>
+              </a:buClr>
+              <a:buSzPct val="92000"/>
+              <a:buFont typeface="Wingdings 2" panose="05020102010507070707" pitchFamily="18" charset="2"/>
+              <a:buChar char=""/>
+              <a:defRPr sz="900" kern="1200">
+                <a:solidFill>
+                  <a:schemeClr val="tx2"/>
+                </a:solidFill>
+                <a:latin typeface="+mn-lt"/>
+                <a:ea typeface="+mn-ea"/>
+                <a:cs typeface="+mn-cs"/>
+              </a:defRPr>
+            </a:lvl7pPr>
+            <a:lvl8pPr marL="1875000" indent="-171450" algn="l" defTabSz="342900" rtl="0" eaLnBrk="1" latinLnBrk="0" hangingPunct="1">
+              <a:spcBef>
+                <a:spcPct val="20000"/>
+              </a:spcBef>
+              <a:spcAft>
+                <a:spcPts val="450"/>
+              </a:spcAft>
+              <a:buClr>
+                <a:schemeClr val="accent2"/>
+              </a:buClr>
+              <a:buSzPct val="92000"/>
+              <a:buFont typeface="Wingdings 2" panose="05020102010507070707" pitchFamily="18" charset="2"/>
+              <a:buChar char=""/>
+              <a:defRPr sz="900" kern="1200">
+                <a:solidFill>
+                  <a:schemeClr val="tx2"/>
+                </a:solidFill>
+                <a:latin typeface="+mn-lt"/>
+                <a:ea typeface="+mn-ea"/>
+                <a:cs typeface="+mn-cs"/>
+              </a:defRPr>
+            </a:lvl8pPr>
+            <a:lvl9pPr marL="2100000" indent="-171450" algn="l" defTabSz="342900" rtl="0" eaLnBrk="1" latinLnBrk="0" hangingPunct="1">
+              <a:spcBef>
+                <a:spcPct val="20000"/>
+              </a:spcBef>
+              <a:spcAft>
+                <a:spcPts val="450"/>
+              </a:spcAft>
+              <a:buClr>
+                <a:schemeClr val="accent2"/>
+              </a:buClr>
+              <a:buSzPct val="92000"/>
+              <a:buFont typeface="Wingdings 2" panose="05020102010507070707" pitchFamily="18" charset="2"/>
+              <a:buChar char=""/>
+              <a:defRPr sz="900" kern="1200">
+                <a:solidFill>
+                  <a:schemeClr val="tx2"/>
+                </a:solidFill>
+                <a:latin typeface="+mn-lt"/>
+                <a:ea typeface="+mn-ea"/>
+                <a:cs typeface="+mn-cs"/>
+              </a:defRPr>
+            </a:lvl9pPr>
+          </a:lstStyle>
+          <a:p>
+            <a:pPr marL="1792288" indent="-1792288">
+              <a:buFont typeface="Wingdings 2" panose="05020102010507070707" pitchFamily="18" charset="2"/>
+              <a:buNone/>
+            </a:pPr>
+            <a:r>
+              <a:rPr lang="en-GB" sz="1400" dirty="0">
+                <a:latin typeface="Consolas" panose="020B0609020204030204" pitchFamily="49" charset="0"/>
+              </a:rPr>
+              <a:t>&lt;statement&gt;   ::= &lt;</a:t>
+            </a:r>
+            <a:r>
+              <a:rPr lang="en-GB" sz="1400" dirty="0" err="1">
+                <a:latin typeface="Consolas" panose="020B0609020204030204" pitchFamily="49" charset="0"/>
+              </a:rPr>
+              <a:t>if_stmt</a:t>
+            </a:r>
+            <a:r>
+              <a:rPr lang="en-GB" sz="1400" dirty="0">
+                <a:latin typeface="Consolas" panose="020B0609020204030204" pitchFamily="49" charset="0"/>
+              </a:rPr>
+              <a:t>&gt; | &lt;</a:t>
+            </a:r>
+            <a:r>
+              <a:rPr lang="en-GB" sz="1400" dirty="0" err="1">
+                <a:latin typeface="Consolas" panose="020B0609020204030204" pitchFamily="49" charset="0"/>
+              </a:rPr>
+              <a:t>call_stmt</a:t>
+            </a:r>
+            <a:r>
+              <a:rPr lang="en-GB" sz="1400" dirty="0">
+                <a:latin typeface="Consolas" panose="020B0609020204030204" pitchFamily="49" charset="0"/>
+              </a:rPr>
+              <a:t>&gt; | &lt;</a:t>
+            </a:r>
+            <a:r>
+              <a:rPr lang="en-GB" sz="1400" dirty="0" err="1">
+                <a:latin typeface="Consolas" panose="020B0609020204030204" pitchFamily="49" charset="0"/>
+              </a:rPr>
+              <a:t>assign_stmt</a:t>
+            </a:r>
+            <a:r>
+              <a:rPr lang="en-GB" sz="1400" dirty="0">
+                <a:latin typeface="Consolas" panose="020B0609020204030204" pitchFamily="49" charset="0"/>
+              </a:rPr>
+              <a:t>&gt; | ...</a:t>
+            </a:r>
+          </a:p>
+          <a:p>
+            <a:pPr marL="1792288" indent="-1792288">
+              <a:buFont typeface="Wingdings 2" panose="05020102010507070707" pitchFamily="18" charset="2"/>
+              <a:buNone/>
+            </a:pPr>
+            <a:r>
+              <a:rPr lang="en-GB" sz="1400" dirty="0">
+                <a:latin typeface="Consolas" panose="020B0609020204030204" pitchFamily="49" charset="0"/>
+              </a:rPr>
+              <a:t>&lt;</a:t>
+            </a:r>
+            <a:r>
+              <a:rPr lang="en-GB" sz="1400" dirty="0" err="1">
+                <a:latin typeface="Consolas" panose="020B0609020204030204" pitchFamily="49" charset="0"/>
+              </a:rPr>
+              <a:t>if_stmt</a:t>
+            </a:r>
+            <a:r>
+              <a:rPr lang="en-GB" sz="1400" dirty="0">
+                <a:latin typeface="Consolas" panose="020B0609020204030204" pitchFamily="49" charset="0"/>
+              </a:rPr>
+              <a:t>&gt;     ::= “if” &lt;condition&gt; &lt;statement&gt; “else” &lt;statement&gt;</a:t>
+            </a:r>
+          </a:p>
+          <a:p>
+            <a:pPr marL="1792288" indent="-1792288">
+              <a:buFont typeface="Wingdings 2" panose="05020102010507070707" pitchFamily="18" charset="2"/>
+              <a:buNone/>
+            </a:pPr>
+            <a:r>
+              <a:rPr lang="en-GB" sz="1400" dirty="0">
+                <a:latin typeface="Consolas" panose="020B0609020204030204" pitchFamily="49" charset="0"/>
+              </a:rPr>
+              <a:t>&lt;</a:t>
+            </a:r>
+            <a:r>
+              <a:rPr lang="en-GB" sz="1400" dirty="0" err="1">
+                <a:latin typeface="Consolas" panose="020B0609020204030204" pitchFamily="49" charset="0"/>
+              </a:rPr>
+              <a:t>assign_stmt</a:t>
+            </a:r>
+            <a:r>
+              <a:rPr lang="en-GB" sz="1400" dirty="0">
+                <a:latin typeface="Consolas" panose="020B0609020204030204" pitchFamily="49" charset="0"/>
+              </a:rPr>
+              <a:t>&gt; ::= &lt;variable&gt; “=“ &lt;expr&gt;</a:t>
+            </a:r>
+          </a:p>
+          <a:p>
+            <a:pPr marL="1792288" indent="-1792288">
+              <a:buFont typeface="Wingdings 2" panose="05020102010507070707" pitchFamily="18" charset="2"/>
+              <a:buNone/>
+            </a:pPr>
+            <a:r>
+              <a:rPr lang="en-GB" sz="1400" dirty="0">
+                <a:latin typeface="Consolas" panose="020B0609020204030204" pitchFamily="49" charset="0"/>
+              </a:rPr>
+              <a:t>&lt;condition&gt;   ::= &lt;expr&gt; “&lt;“ &lt;expr&gt; |</a:t>
+            </a:r>
+            <a:br>
+              <a:rPr lang="en-GB" sz="1400" dirty="0">
+                <a:latin typeface="Consolas" panose="020B0609020204030204" pitchFamily="49" charset="0"/>
+              </a:rPr>
+            </a:br>
+            <a:r>
+              <a:rPr lang="en-GB" sz="1400" dirty="0">
+                <a:latin typeface="Consolas" panose="020B0609020204030204" pitchFamily="49" charset="0"/>
+              </a:rPr>
+              <a:t>&lt;expr&gt; “&gt;” &lt;expr&gt; |</a:t>
+            </a:r>
+            <a:br>
+              <a:rPr lang="en-GB" sz="1400" dirty="0">
+                <a:latin typeface="Consolas" panose="020B0609020204030204" pitchFamily="49" charset="0"/>
+              </a:rPr>
+            </a:br>
+            <a:r>
+              <a:rPr lang="en-GB" sz="1400" dirty="0">
+                <a:latin typeface="Consolas" panose="020B0609020204030204" pitchFamily="49" charset="0"/>
+              </a:rPr>
+              <a:t>&lt;expr&gt; “==” &lt;expr&gt; | ...</a:t>
+            </a:r>
+          </a:p>
+          <a:p>
+            <a:pPr marL="1792288" indent="-1792288">
+              <a:buFont typeface="Wingdings 2" panose="05020102010507070707" pitchFamily="18" charset="2"/>
+              <a:buNone/>
+            </a:pPr>
+            <a:r>
+              <a:rPr lang="en-GB" sz="1400" dirty="0">
+                <a:latin typeface="Consolas" panose="020B0609020204030204" pitchFamily="49" charset="0"/>
+              </a:rPr>
+              <a:t>&lt;expr&gt;        ::= &lt;variable&gt; | &lt;int&gt; |</a:t>
+            </a:r>
+            <a:br>
+              <a:rPr lang="en-GB" sz="1400" dirty="0">
+                <a:latin typeface="Consolas" panose="020B0609020204030204" pitchFamily="49" charset="0"/>
+              </a:rPr>
+            </a:br>
+            <a:r>
+              <a:rPr lang="en-GB" sz="1400" dirty="0">
+                <a:latin typeface="Consolas" panose="020B0609020204030204" pitchFamily="49" charset="0"/>
+              </a:rPr>
+              <a:t>&lt;expr&gt; “+” &lt;expr&gt; |</a:t>
+            </a:r>
+            <a:br>
+              <a:rPr lang="en-GB" sz="1400" dirty="0">
+                <a:latin typeface="Consolas" panose="020B0609020204030204" pitchFamily="49" charset="0"/>
+              </a:rPr>
+            </a:br>
+            <a:r>
+              <a:rPr lang="en-GB" sz="1400" dirty="0">
+                <a:latin typeface="Consolas" panose="020B0609020204030204" pitchFamily="49" charset="0"/>
+              </a:rPr>
+              <a:t>&lt;expr&gt; “-” &lt;expr&gt; | ...</a:t>
+            </a:r>
+          </a:p>
+        </p:txBody>
+      </p:sp>
+      <p:sp>
+        <p:nvSpPr>
+          <p:cNvPr id="5" name="TextBox 4">
+            <a:extLst>
+              <a:ext uri="{FF2B5EF4-FFF2-40B4-BE49-F238E27FC236}">
+                <a16:creationId xmlns:a16="http://schemas.microsoft.com/office/drawing/2014/main" id="{3A407244-B302-4BF4-B0F7-9F78DD04787E}"/>
+              </a:ext>
+            </a:extLst>
+          </p:cNvPr>
+          <p:cNvSpPr txBox="1"/>
+          <p:nvPr/>
+        </p:nvSpPr>
+        <p:spPr>
+          <a:xfrm>
+            <a:off x="435894" y="5013177"/>
+            <a:ext cx="8272212" cy="1569660"/>
+          </a:xfrm>
+          <a:prstGeom prst="rect">
+            <a:avLst/>
+          </a:prstGeom>
+          <a:noFill/>
+        </p:spPr>
+        <p:txBody>
+          <a:bodyPr wrap="square" rtlCol="0">
+            <a:spAutoFit/>
+          </a:bodyPr>
+          <a:lstStyle/>
+          <a:p>
+            <a:r>
+              <a:rPr lang="en-GB" sz="2400" dirty="0">
+                <a:latin typeface="Consolas" panose="020B0609020204030204" pitchFamily="49" charset="0"/>
+              </a:rPr>
               <a:t>if x &gt; </a:t>
             </a:r>
             <a:r>
@@ -10120,7 +10925,7 @@
 </p:sld>
 </file>
 
-<file path=ppt/slides/slide11.xml><?xml version="1.0" encoding="utf-8"?>
+<file path=ppt/slides/slide12.xml><?xml version="1.0" encoding="utf-8"?>
 <p:sld xmlns:a="http://schemas.openxmlformats.org/drawingml/2006/main" xmlns:r="http://schemas.openxmlformats.org/officeDocument/2006/relationships" xmlns:p="http://schemas.openxmlformats.org/presentationml/2006/main">
   <p:cSld>
     <p:spTree>
@@ -10909,7 +11714,7 @@
 </p:sld>
 </file>
 
-<file path=ppt/slides/slide12.xml><?xml version="1.0" encoding="utf-8"?>
+<file path=ppt/slides/slide13.xml><?xml version="1.0" encoding="utf-8"?>
 <p:sld xmlns:a="http://schemas.openxmlformats.org/drawingml/2006/main" xmlns:r="http://schemas.openxmlformats.org/officeDocument/2006/relationships" xmlns:p="http://schemas.openxmlformats.org/presentationml/2006/main">
   <p:cSld>
     <p:spTree>
@@ -11689,7 +12494,7 @@
 </p:sld>
 </file>
 
-<file path=ppt/slides/slide13.xml><?xml version="1.0" encoding="utf-8"?>
+<file path=ppt/slides/slide14.xml><?xml version="1.0" encoding="utf-8"?>
 <p:sld xmlns:a="http://schemas.openxmlformats.org/drawingml/2006/main" xmlns:r="http://schemas.openxmlformats.org/officeDocument/2006/relationships" xmlns:p="http://schemas.openxmlformats.org/presentationml/2006/main">
   <p:cSld>
     <p:spTree>
@@ -12237,7 +13042,7 @@
 </p:sld>
 </file>
 
-<file path=ppt/slides/slide14.xml><?xml version="1.0" encoding="utf-8"?>
+<file path=ppt/slides/slide15.xml><?xml version="1.0" encoding="utf-8"?>
 <p:sld xmlns:a="http://schemas.openxmlformats.org/drawingml/2006/main" xmlns:r="http://schemas.openxmlformats.org/officeDocument/2006/relationships" xmlns:p="http://schemas.openxmlformats.org/presentationml/2006/main">
   <p:cSld>
     <p:spTree>
@@ -12602,7 +13407,7 @@
 </p:sld>
 </file>
 
-<file path=ppt/slides/slide15.xml><?xml version="1.0" encoding="utf-8"?>
+<file path=ppt/slides/slide16.xml><?xml version="1.0" encoding="utf-8"?>
 <p:sld xmlns:a="http://schemas.openxmlformats.org/drawingml/2006/main" xmlns:r="http://schemas.openxmlformats.org/officeDocument/2006/relationships" xmlns:p="http://schemas.openxmlformats.org/presentationml/2006/main">
   <p:cSld>
     <p:spTree>
@@ -15583,6 +16388,720 @@
         </p:nvSpPr>
         <p:spPr>
           <a:xfrm>
+            <a:off x="435894" y="5673092"/>
+            <a:ext cx="8272212" cy="461665"/>
+          </a:xfrm>
+          <a:prstGeom prst="rect">
+            <a:avLst/>
+          </a:prstGeom>
+          <a:noFill/>
+        </p:spPr>
+        <p:txBody>
+          <a:bodyPr wrap="square" rtlCol="0">
+            <a:spAutoFit/>
+          </a:bodyPr>
+          <a:lstStyle/>
+          <a:p>
+            <a:r>
+              <a:rPr lang="en-GB" sz="2400" dirty="0">
+                <a:solidFill>
+                  <a:schemeClr val="accent6"/>
+                </a:solidFill>
+                <a:latin typeface="Consolas" panose="020B0609020204030204" pitchFamily="49" charset="0"/>
+              </a:rPr>
+              <a:t>&lt;</a:t>
+            </a:r>
+            <a:r>
+              <a:rPr lang="en-GB" sz="2400" dirty="0" err="1">
+                <a:solidFill>
+                  <a:schemeClr val="accent6"/>
+                </a:solidFill>
+                <a:latin typeface="Consolas" panose="020B0609020204030204" pitchFamily="49" charset="0"/>
+              </a:rPr>
+              <a:t>if_stmt</a:t>
+            </a:r>
+            <a:r>
+              <a:rPr lang="en-GB" sz="2400" dirty="0">
+                <a:solidFill>
+                  <a:schemeClr val="accent6"/>
+                </a:solidFill>
+                <a:latin typeface="Consolas" panose="020B0609020204030204" pitchFamily="49" charset="0"/>
+              </a:rPr>
+              <a:t>&gt;</a:t>
+            </a:r>
+          </a:p>
+        </p:txBody>
+      </p:sp>
+      <p:graphicFrame>
+        <p:nvGraphicFramePr>
+          <p:cNvPr id="6" name="Table 6">
+            <a:extLst>
+              <a:ext uri="{FF2B5EF4-FFF2-40B4-BE49-F238E27FC236}">
+                <a16:creationId xmlns:a16="http://schemas.microsoft.com/office/drawing/2014/main" id="{CCACDD9A-B56E-475F-8EC9-70A68C57EE17}"/>
+              </a:ext>
+            </a:extLst>
+          </p:cNvPr>
+          <p:cNvGraphicFramePr>
+            <a:graphicFrameLocks noGrp="1"/>
+          </p:cNvGraphicFramePr>
+          <p:nvPr/>
+        </p:nvGraphicFramePr>
+        <p:xfrm>
+          <a:off x="467544" y="4581128"/>
+          <a:ext cx="4876800" cy="370840"/>
+        </p:xfrm>
+        <a:graphic>
+          <a:graphicData uri="http://schemas.openxmlformats.org/drawingml/2006/table">
+            <a:tbl>
+              <a:tblPr bandRow="1">
+                <a:tableStyleId>{5C22544A-7EE6-4342-B048-85BDC9FD1C3A}</a:tableStyleId>
+              </a:tblPr>
+              <a:tblGrid>
+                <a:gridCol w="609600">
+                  <a:extLst>
+                    <a:ext uri="{9D8B030D-6E8A-4147-A177-3AD203B41FA5}">
+                      <a16:colId xmlns:a16="http://schemas.microsoft.com/office/drawing/2014/main" val="2441681079"/>
+                    </a:ext>
+                  </a:extLst>
+                </a:gridCol>
+                <a:gridCol w="609600">
+                  <a:extLst>
+                    <a:ext uri="{9D8B030D-6E8A-4147-A177-3AD203B41FA5}">
+                      <a16:colId xmlns:a16="http://schemas.microsoft.com/office/drawing/2014/main" val="4205758018"/>
+                    </a:ext>
+                  </a:extLst>
+                </a:gridCol>
+                <a:gridCol w="609600">
+                  <a:extLst>
+                    <a:ext uri="{9D8B030D-6E8A-4147-A177-3AD203B41FA5}">
+                      <a16:colId xmlns:a16="http://schemas.microsoft.com/office/drawing/2014/main" val="1755091250"/>
+                    </a:ext>
+                  </a:extLst>
+                </a:gridCol>
+                <a:gridCol w="609600">
+                  <a:extLst>
+                    <a:ext uri="{9D8B030D-6E8A-4147-A177-3AD203B41FA5}">
+                      <a16:colId xmlns:a16="http://schemas.microsoft.com/office/drawing/2014/main" val="4081397589"/>
+                    </a:ext>
+                  </a:extLst>
+                </a:gridCol>
+                <a:gridCol w="609600">
+                  <a:extLst>
+                    <a:ext uri="{9D8B030D-6E8A-4147-A177-3AD203B41FA5}">
+                      <a16:colId xmlns:a16="http://schemas.microsoft.com/office/drawing/2014/main" val="3726334863"/>
+                    </a:ext>
+                  </a:extLst>
+                </a:gridCol>
+                <a:gridCol w="609600">
+                  <a:extLst>
+                    <a:ext uri="{9D8B030D-6E8A-4147-A177-3AD203B41FA5}">
+                      <a16:colId xmlns:a16="http://schemas.microsoft.com/office/drawing/2014/main" val="3541494777"/>
+                    </a:ext>
+                  </a:extLst>
+                </a:gridCol>
+                <a:gridCol w="609600">
+                  <a:extLst>
+                    <a:ext uri="{9D8B030D-6E8A-4147-A177-3AD203B41FA5}">
+                      <a16:colId xmlns:a16="http://schemas.microsoft.com/office/drawing/2014/main" val="1252606793"/>
+                    </a:ext>
+                  </a:extLst>
+                </a:gridCol>
+                <a:gridCol w="609600">
+                  <a:extLst>
+                    <a:ext uri="{9D8B030D-6E8A-4147-A177-3AD203B41FA5}">
+                      <a16:colId xmlns:a16="http://schemas.microsoft.com/office/drawing/2014/main" val="705826219"/>
+                    </a:ext>
+                  </a:extLst>
+                </a:gridCol>
+              </a:tblGrid>
+              <a:tr h="370840">
+                <a:tc>
+                  <a:txBody>
+                    <a:bodyPr/>
+                    <a:lstStyle/>
+                    <a:p>
+                      <a:pPr algn="ctr"/>
+                      <a:r>
+                        <a:rPr lang="en-GB" dirty="0"/>
+                        <a:t>0</a:t>
+                      </a:r>
+                    </a:p>
+                  </a:txBody>
+                  <a:tcPr/>
+                </a:tc>
+                <a:tc>
+                  <a:txBody>
+                    <a:bodyPr/>
+                    <a:lstStyle/>
+                    <a:p>
+                      <a:pPr algn="ctr"/>
+                      <a:r>
+                        <a:rPr lang="en-GB" dirty="0"/>
+                        <a:t>1</a:t>
+                      </a:r>
+                    </a:p>
+                  </a:txBody>
+                  <a:tcPr/>
+                </a:tc>
+                <a:tc>
+                  <a:txBody>
+                    <a:bodyPr/>
+                    <a:lstStyle/>
+                    <a:p>
+                      <a:pPr algn="ctr"/>
+                      <a:r>
+                        <a:rPr lang="en-GB" dirty="0"/>
+                        <a:t>0</a:t>
+                      </a:r>
+                    </a:p>
+                  </a:txBody>
+                  <a:tcPr/>
+                </a:tc>
+                <a:tc>
+                  <a:txBody>
+                    <a:bodyPr/>
+                    <a:lstStyle/>
+                    <a:p>
+                      <a:pPr algn="ctr"/>
+                      <a:r>
+                        <a:rPr lang="en-GB" dirty="0"/>
+                        <a:t>27</a:t>
+                      </a:r>
+                    </a:p>
+                  </a:txBody>
+                  <a:tcPr/>
+                </a:tc>
+                <a:tc>
+                  <a:txBody>
+                    <a:bodyPr/>
+                    <a:lstStyle/>
+                    <a:p>
+                      <a:pPr algn="ctr"/>
+                      <a:r>
+                        <a:rPr lang="en-GB" dirty="0"/>
+                        <a:t>1</a:t>
+                      </a:r>
+                    </a:p>
+                  </a:txBody>
+                  <a:tcPr/>
+                </a:tc>
+                <a:tc>
+                  <a:txBody>
+                    <a:bodyPr/>
+                    <a:lstStyle/>
+                    <a:p>
+                      <a:pPr algn="ctr"/>
+                      <a:r>
+                        <a:rPr lang="en-GB" dirty="0"/>
+                        <a:t>10</a:t>
+                      </a:r>
+                    </a:p>
+                  </a:txBody>
+                  <a:tcPr/>
+                </a:tc>
+                <a:tc>
+                  <a:txBody>
+                    <a:bodyPr/>
+                    <a:lstStyle/>
+                    <a:p>
+                      <a:pPr algn="ctr"/>
+                      <a:r>
+                        <a:rPr lang="en-GB" dirty="0"/>
+                        <a:t>1</a:t>
+                      </a:r>
+                    </a:p>
+                  </a:txBody>
+                  <a:tcPr/>
+                </a:tc>
+                <a:tc>
+                  <a:txBody>
+                    <a:bodyPr/>
+                    <a:lstStyle/>
+                    <a:p>
+                      <a:pPr algn="ctr"/>
+                      <a:r>
+                        <a:rPr lang="en-GB" dirty="0"/>
+                        <a:t>…</a:t>
+                      </a:r>
+                    </a:p>
+                  </a:txBody>
+                  <a:tcPr/>
+                </a:tc>
+                <a:extLst>
+                  <a:ext uri="{0D108BD9-81ED-4DB2-BD59-A6C34878D82A}">
+                    <a16:rowId xmlns:a16="http://schemas.microsoft.com/office/drawing/2014/main" val="1940081025"/>
+                  </a:ext>
+                </a:extLst>
+              </a:tr>
+            </a:tbl>
+          </a:graphicData>
+        </a:graphic>
+      </p:graphicFrame>
+    </p:spTree>
+    <p:extLst>
+      <p:ext uri="{BB962C8B-B14F-4D97-AF65-F5344CB8AC3E}">
+        <p14:creationId xmlns:p14="http://schemas.microsoft.com/office/powerpoint/2010/main" val="3095722235"/>
+      </p:ext>
+    </p:extLst>
+  </p:cSld>
+  <p:clrMapOvr>
+    <a:masterClrMapping/>
+  </p:clrMapOvr>
+</p:sld>
+</file>
+
+<file path=ppt/slides/slide8.xml><?xml version="1.0" encoding="utf-8"?>
+<p:sld xmlns:a="http://schemas.openxmlformats.org/drawingml/2006/main" xmlns:r="http://schemas.openxmlformats.org/officeDocument/2006/relationships" xmlns:p="http://schemas.openxmlformats.org/presentationml/2006/main">
+  <p:cSld>
+    <p:spTree>
+      <p:nvGrpSpPr>
+        <p:cNvPr id="1" name=""/>
+        <p:cNvGrpSpPr/>
+        <p:nvPr/>
+      </p:nvGrpSpPr>
+      <p:grpSpPr>
+        <a:xfrm>
+          <a:off x="0" y="0"/>
+          <a:ext cx="0" cy="0"/>
+          <a:chOff x="0" y="0"/>
+          <a:chExt cx="0" cy="0"/>
+        </a:xfrm>
+      </p:grpSpPr>
+      <p:sp>
+        <p:nvSpPr>
+          <p:cNvPr id="2" name="Title 1">
+            <a:extLst>
+              <a:ext uri="{FF2B5EF4-FFF2-40B4-BE49-F238E27FC236}">
+                <a16:creationId xmlns:a16="http://schemas.microsoft.com/office/drawing/2014/main" id="{6E70DE25-7C8C-40FC-838C-7EB17BA1CFB1}"/>
+              </a:ext>
+            </a:extLst>
+          </p:cNvPr>
+          <p:cNvSpPr>
+            <a:spLocks noGrp="1"/>
+          </p:cNvSpPr>
+          <p:nvPr>
+            <p:ph type="title"/>
+          </p:nvPr>
+        </p:nvSpPr>
+        <p:spPr/>
+        <p:txBody>
+          <a:bodyPr/>
+          <a:lstStyle/>
+          <a:p>
+            <a:r>
+              <a:rPr lang="en-GB" dirty="0"/>
+              <a:t>Grammatical evolution example</a:t>
+            </a:r>
+          </a:p>
+        </p:txBody>
+      </p:sp>
+      <p:sp>
+        <p:nvSpPr>
+          <p:cNvPr id="4" name="Content Placeholder 2">
+            <a:extLst>
+              <a:ext uri="{FF2B5EF4-FFF2-40B4-BE49-F238E27FC236}">
+                <a16:creationId xmlns:a16="http://schemas.microsoft.com/office/drawing/2014/main" id="{658F0DBC-072C-4EE5-B410-0541385247C0}"/>
+              </a:ext>
+            </a:extLst>
+          </p:cNvPr>
+          <p:cNvSpPr txBox="1">
+            <a:spLocks/>
+          </p:cNvSpPr>
+          <p:nvPr/>
+        </p:nvSpPr>
+        <p:spPr>
+          <a:xfrm>
+            <a:off x="3995937" y="1832641"/>
+            <a:ext cx="5148064" cy="3180536"/>
+          </a:xfrm>
+          <a:prstGeom prst="rect">
+            <a:avLst/>
+          </a:prstGeom>
+        </p:spPr>
+        <p:txBody>
+          <a:bodyPr vert="horz" lIns="91440" tIns="45720" rIns="91440" bIns="45720" rtlCol="0" anchor="ctr">
+            <a:normAutofit/>
+          </a:bodyPr>
+          <a:lstStyle>
+            <a:lvl1pPr marL="229500" indent="-229500" algn="l" defTabSz="342900" rtl="0" eaLnBrk="1" latinLnBrk="0" hangingPunct="1">
+              <a:spcBef>
+                <a:spcPct val="20000"/>
+              </a:spcBef>
+              <a:spcAft>
+                <a:spcPts val="450"/>
+              </a:spcAft>
+              <a:buClr>
+                <a:schemeClr val="accent2"/>
+              </a:buClr>
+              <a:buSzPct val="92000"/>
+              <a:buFont typeface="Wingdings 2" panose="05020102010507070707" pitchFamily="18" charset="2"/>
+              <a:buChar char=""/>
+              <a:defRPr sz="2400" kern="1200">
+                <a:solidFill>
+                  <a:schemeClr val="tx2"/>
+                </a:solidFill>
+                <a:latin typeface="+mn-lt"/>
+                <a:ea typeface="+mn-ea"/>
+                <a:cs typeface="+mn-cs"/>
+              </a:defRPr>
+            </a:lvl1pPr>
+            <a:lvl2pPr marL="472500" indent="-229500" algn="l" defTabSz="342900" rtl="0" eaLnBrk="1" latinLnBrk="0" hangingPunct="1">
+              <a:spcBef>
+                <a:spcPct val="20000"/>
+              </a:spcBef>
+              <a:spcAft>
+                <a:spcPts val="450"/>
+              </a:spcAft>
+              <a:buClr>
+                <a:schemeClr val="accent2"/>
+              </a:buClr>
+              <a:buSzPct val="92000"/>
+              <a:buFont typeface="Wingdings 2" panose="05020102010507070707" pitchFamily="18" charset="2"/>
+              <a:buChar char=""/>
+              <a:defRPr sz="2400" kern="1200">
+                <a:solidFill>
+                  <a:schemeClr val="tx2"/>
+                </a:solidFill>
+                <a:latin typeface="+mn-lt"/>
+                <a:ea typeface="+mn-ea"/>
+                <a:cs typeface="+mn-cs"/>
+              </a:defRPr>
+            </a:lvl2pPr>
+            <a:lvl3pPr marL="675000" indent="-202500" algn="l" defTabSz="342900" rtl="0" eaLnBrk="1" latinLnBrk="0" hangingPunct="1">
+              <a:spcBef>
+                <a:spcPct val="20000"/>
+              </a:spcBef>
+              <a:spcAft>
+                <a:spcPts val="450"/>
+              </a:spcAft>
+              <a:buClr>
+                <a:schemeClr val="accent2"/>
+              </a:buClr>
+              <a:buSzPct val="92000"/>
+              <a:buFont typeface="Wingdings 2" panose="05020102010507070707" pitchFamily="18" charset="2"/>
+              <a:buChar char=""/>
+              <a:defRPr sz="1800" kern="1200">
+                <a:solidFill>
+                  <a:schemeClr val="tx2"/>
+                </a:solidFill>
+                <a:latin typeface="+mn-lt"/>
+                <a:ea typeface="+mn-ea"/>
+                <a:cs typeface="+mn-cs"/>
+              </a:defRPr>
+            </a:lvl3pPr>
+            <a:lvl4pPr marL="931500" indent="-175500" algn="l" defTabSz="342900" rtl="0" eaLnBrk="1" latinLnBrk="0" hangingPunct="1">
+              <a:spcBef>
+                <a:spcPct val="20000"/>
+              </a:spcBef>
+              <a:spcAft>
+                <a:spcPts val="450"/>
+              </a:spcAft>
+              <a:buClr>
+                <a:schemeClr val="accent2"/>
+              </a:buClr>
+              <a:buSzPct val="92000"/>
+              <a:buFont typeface="Wingdings 2" panose="05020102010507070707" pitchFamily="18" charset="2"/>
+              <a:buChar char=""/>
+              <a:defRPr sz="1400" kern="1200">
+                <a:solidFill>
+                  <a:schemeClr val="tx2"/>
+                </a:solidFill>
+                <a:latin typeface="+mn-lt"/>
+                <a:ea typeface="+mn-ea"/>
+                <a:cs typeface="+mn-cs"/>
+              </a:defRPr>
+            </a:lvl4pPr>
+            <a:lvl5pPr marL="1201500" indent="-175500" algn="l" defTabSz="342900" rtl="0" eaLnBrk="1" latinLnBrk="0" hangingPunct="1">
+              <a:spcBef>
+                <a:spcPct val="20000"/>
+              </a:spcBef>
+              <a:spcAft>
+                <a:spcPts val="450"/>
+              </a:spcAft>
+              <a:buClr>
+                <a:schemeClr val="accent2"/>
+              </a:buClr>
+              <a:buSzPct val="92000"/>
+              <a:buFont typeface="Wingdings 2" panose="05020102010507070707" pitchFamily="18" charset="2"/>
+              <a:buChar char=""/>
+              <a:defRPr sz="1400" kern="1200">
+                <a:solidFill>
+                  <a:schemeClr val="tx2"/>
+                </a:solidFill>
+                <a:latin typeface="+mn-lt"/>
+                <a:ea typeface="+mn-ea"/>
+                <a:cs typeface="+mn-cs"/>
+              </a:defRPr>
+            </a:lvl5pPr>
+            <a:lvl6pPr marL="1425000" indent="-171450" algn="l" defTabSz="342900" rtl="0" eaLnBrk="1" latinLnBrk="0" hangingPunct="1">
+              <a:spcBef>
+                <a:spcPct val="20000"/>
+              </a:spcBef>
+              <a:spcAft>
+                <a:spcPts val="450"/>
+              </a:spcAft>
+              <a:buClr>
+                <a:schemeClr val="accent2"/>
+              </a:buClr>
+              <a:buSzPct val="92000"/>
+              <a:buFont typeface="Wingdings 2" panose="05020102010507070707" pitchFamily="18" charset="2"/>
+              <a:buChar char=""/>
+              <a:defRPr sz="900" kern="1200">
+                <a:solidFill>
+                  <a:schemeClr val="tx2"/>
+                </a:solidFill>
+                <a:latin typeface="+mn-lt"/>
+                <a:ea typeface="+mn-ea"/>
+                <a:cs typeface="+mn-cs"/>
+              </a:defRPr>
+            </a:lvl6pPr>
+            <a:lvl7pPr marL="1650000" indent="-171450" algn="l" defTabSz="342900" rtl="0" eaLnBrk="1" latinLnBrk="0" hangingPunct="1">
+              <a:spcBef>
+                <a:spcPct val="20000"/>
+              </a:spcBef>
+              <a:spcAft>
+                <a:spcPts val="450"/>
+              </a:spcAft>
+              <a:buClr>
+                <a:schemeClr val="accent2"/>
+              </a:buClr>
+              <a:buSzPct val="92000"/>
+              <a:buFont typeface="Wingdings 2" panose="05020102010507070707" pitchFamily="18" charset="2"/>
+              <a:buChar char=""/>
+              <a:defRPr sz="900" kern="1200">
+                <a:solidFill>
+                  <a:schemeClr val="tx2"/>
+                </a:solidFill>
+                <a:latin typeface="+mn-lt"/>
+                <a:ea typeface="+mn-ea"/>
+                <a:cs typeface="+mn-cs"/>
+              </a:defRPr>
+            </a:lvl7pPr>
+            <a:lvl8pPr marL="1875000" indent="-171450" algn="l" defTabSz="342900" rtl="0" eaLnBrk="1" latinLnBrk="0" hangingPunct="1">
+              <a:spcBef>
+                <a:spcPct val="20000"/>
+              </a:spcBef>
+              <a:spcAft>
+                <a:spcPts val="450"/>
+              </a:spcAft>
+              <a:buClr>
+                <a:schemeClr val="accent2"/>
+              </a:buClr>
+              <a:buSzPct val="92000"/>
+              <a:buFont typeface="Wingdings 2" panose="05020102010507070707" pitchFamily="18" charset="2"/>
+              <a:buChar char=""/>
+              <a:defRPr sz="900" kern="1200">
+                <a:solidFill>
+                  <a:schemeClr val="tx2"/>
+                </a:solidFill>
+                <a:latin typeface="+mn-lt"/>
+                <a:ea typeface="+mn-ea"/>
+                <a:cs typeface="+mn-cs"/>
+              </a:defRPr>
+            </a:lvl8pPr>
+            <a:lvl9pPr marL="2100000" indent="-171450" algn="l" defTabSz="342900" rtl="0" eaLnBrk="1" latinLnBrk="0" hangingPunct="1">
+              <a:spcBef>
+                <a:spcPct val="20000"/>
+              </a:spcBef>
+              <a:spcAft>
+                <a:spcPts val="450"/>
+              </a:spcAft>
+              <a:buClr>
+                <a:schemeClr val="accent2"/>
+              </a:buClr>
+              <a:buSzPct val="92000"/>
+              <a:buFont typeface="Wingdings 2" panose="05020102010507070707" pitchFamily="18" charset="2"/>
+              <a:buChar char=""/>
+              <a:defRPr sz="900" kern="1200">
+                <a:solidFill>
+                  <a:schemeClr val="tx2"/>
+                </a:solidFill>
+                <a:latin typeface="+mn-lt"/>
+                <a:ea typeface="+mn-ea"/>
+                <a:cs typeface="+mn-cs"/>
+              </a:defRPr>
+            </a:lvl9pPr>
+          </a:lstStyle>
+          <a:p>
+            <a:pPr marL="1792288" indent="-1792288">
+              <a:buFont typeface="Wingdings 2" panose="05020102010507070707" pitchFamily="18" charset="2"/>
+              <a:buNone/>
+            </a:pPr>
+            <a:r>
+              <a:rPr lang="en-GB" sz="1400" dirty="0">
+                <a:latin typeface="Consolas" panose="020B0609020204030204" pitchFamily="49" charset="0"/>
+              </a:rPr>
+              <a:t>&lt;statement&gt;   ::= &lt;</a:t>
+            </a:r>
+            <a:r>
+              <a:rPr lang="en-GB" sz="1400" dirty="0" err="1">
+                <a:latin typeface="Consolas" panose="020B0609020204030204" pitchFamily="49" charset="0"/>
+              </a:rPr>
+              <a:t>if_stmt</a:t>
+            </a:r>
+            <a:r>
+              <a:rPr lang="en-GB" sz="1400" dirty="0">
+                <a:latin typeface="Consolas" panose="020B0609020204030204" pitchFamily="49" charset="0"/>
+              </a:rPr>
+              <a:t>&gt; | &lt;</a:t>
+            </a:r>
+            <a:r>
+              <a:rPr lang="en-GB" sz="1400" dirty="0" err="1">
+                <a:latin typeface="Consolas" panose="020B0609020204030204" pitchFamily="49" charset="0"/>
+              </a:rPr>
+              <a:t>call_stmt</a:t>
+            </a:r>
+            <a:r>
+              <a:rPr lang="en-GB" sz="1400" dirty="0">
+                <a:latin typeface="Consolas" panose="020B0609020204030204" pitchFamily="49" charset="0"/>
+              </a:rPr>
+              <a:t>&gt; | &lt;</a:t>
+            </a:r>
+            <a:r>
+              <a:rPr lang="en-GB" sz="1400" dirty="0" err="1">
+                <a:latin typeface="Consolas" panose="020B0609020204030204" pitchFamily="49" charset="0"/>
+              </a:rPr>
+              <a:t>assign_stmt</a:t>
+            </a:r>
+            <a:r>
+              <a:rPr lang="en-GB" sz="1400" dirty="0">
+                <a:latin typeface="Consolas" panose="020B0609020204030204" pitchFamily="49" charset="0"/>
+              </a:rPr>
+              <a:t>&gt; | ...</a:t>
+            </a:r>
+          </a:p>
+          <a:p>
+            <a:pPr marL="1792288" indent="-1792288">
+              <a:buFont typeface="Wingdings 2" panose="05020102010507070707" pitchFamily="18" charset="2"/>
+              <a:buNone/>
+            </a:pPr>
+            <a:r>
+              <a:rPr lang="en-GB" sz="1400" dirty="0">
+                <a:latin typeface="Consolas" panose="020B0609020204030204" pitchFamily="49" charset="0"/>
+              </a:rPr>
+              <a:t>&lt;</a:t>
+            </a:r>
+            <a:r>
+              <a:rPr lang="en-GB" sz="1400" dirty="0" err="1">
+                <a:latin typeface="Consolas" panose="020B0609020204030204" pitchFamily="49" charset="0"/>
+              </a:rPr>
+              <a:t>if_stmt</a:t>
+            </a:r>
+            <a:r>
+              <a:rPr lang="en-GB" sz="1400" dirty="0">
+                <a:latin typeface="Consolas" panose="020B0609020204030204" pitchFamily="49" charset="0"/>
+              </a:rPr>
+              <a:t>&gt;     ::= “if” &lt;condition&gt; &lt;statement&gt; “else” &lt;statement&gt;</a:t>
+            </a:r>
+          </a:p>
+          <a:p>
+            <a:pPr marL="1792288" indent="-1792288">
+              <a:buFont typeface="Wingdings 2" panose="05020102010507070707" pitchFamily="18" charset="2"/>
+              <a:buNone/>
+            </a:pPr>
+            <a:r>
+              <a:rPr lang="en-GB" sz="1400" dirty="0">
+                <a:latin typeface="Consolas" panose="020B0609020204030204" pitchFamily="49" charset="0"/>
+              </a:rPr>
+              <a:t>&lt;</a:t>
+            </a:r>
+            <a:r>
+              <a:rPr lang="en-GB" sz="1400" dirty="0" err="1">
+                <a:latin typeface="Consolas" panose="020B0609020204030204" pitchFamily="49" charset="0"/>
+              </a:rPr>
+              <a:t>assign_stmt</a:t>
+            </a:r>
+            <a:r>
+              <a:rPr lang="en-GB" sz="1400" dirty="0">
+                <a:latin typeface="Consolas" panose="020B0609020204030204" pitchFamily="49" charset="0"/>
+              </a:rPr>
+              <a:t>&gt; ::= &lt;variable&gt; “=“ &lt;expr&gt;</a:t>
+            </a:r>
+          </a:p>
+          <a:p>
+            <a:pPr marL="1792288" indent="-1792288">
+              <a:buFont typeface="Wingdings 2" panose="05020102010507070707" pitchFamily="18" charset="2"/>
+              <a:buNone/>
+            </a:pPr>
+            <a:r>
+              <a:rPr lang="en-GB" sz="1400" dirty="0">
+                <a:latin typeface="Consolas" panose="020B0609020204030204" pitchFamily="49" charset="0"/>
+              </a:rPr>
+              <a:t>&lt;condition&gt;   ::= &lt;expr&gt; “&lt;“ &lt;expr&gt; |</a:t>
+            </a:r>
+            <a:br>
+              <a:rPr lang="en-GB" sz="1400" dirty="0">
+                <a:latin typeface="Consolas" panose="020B0609020204030204" pitchFamily="49" charset="0"/>
+              </a:rPr>
+            </a:br>
+            <a:r>
+              <a:rPr lang="en-GB" sz="1400" dirty="0">
+                <a:latin typeface="Consolas" panose="020B0609020204030204" pitchFamily="49" charset="0"/>
+              </a:rPr>
+              <a:t>&lt;expr&gt; “&gt;” &lt;expr&gt; |</a:t>
+            </a:r>
+            <a:br>
+              <a:rPr lang="en-GB" sz="1400" dirty="0">
+                <a:latin typeface="Consolas" panose="020B0609020204030204" pitchFamily="49" charset="0"/>
+              </a:rPr>
+            </a:br>
+            <a:r>
+              <a:rPr lang="en-GB" sz="1400" dirty="0">
+                <a:latin typeface="Consolas" panose="020B0609020204030204" pitchFamily="49" charset="0"/>
+              </a:rPr>
+              <a:t>&lt;expr&gt; “==” &lt;expr&gt; | ...</a:t>
+            </a:r>
+          </a:p>
+          <a:p>
+            <a:pPr marL="1792288" indent="-1792288">
+              <a:buFont typeface="Wingdings 2" panose="05020102010507070707" pitchFamily="18" charset="2"/>
+              <a:buNone/>
+            </a:pPr>
+            <a:r>
+              <a:rPr lang="en-GB" sz="1400" dirty="0">
+                <a:latin typeface="Consolas" panose="020B0609020204030204" pitchFamily="49" charset="0"/>
+              </a:rPr>
+              <a:t>&lt;expr&gt;        ::= &lt;variable&gt; | &lt;int&gt; |</a:t>
+            </a:r>
+            <a:br>
+              <a:rPr lang="en-GB" sz="1400" dirty="0">
+                <a:latin typeface="Consolas" panose="020B0609020204030204" pitchFamily="49" charset="0"/>
+              </a:rPr>
+            </a:br>
+            <a:r>
+              <a:rPr lang="en-GB" sz="1400" dirty="0">
+                <a:latin typeface="Consolas" panose="020B0609020204030204" pitchFamily="49" charset="0"/>
+              </a:rPr>
+              <a:t>&lt;expr&gt; “+” &lt;expr&gt; |</a:t>
+            </a:r>
+            <a:br>
+              <a:rPr lang="en-GB" sz="1400" dirty="0">
+                <a:latin typeface="Consolas" panose="020B0609020204030204" pitchFamily="49" charset="0"/>
+              </a:rPr>
+            </a:br>
+            <a:r>
+              <a:rPr lang="en-GB" sz="1400" dirty="0">
+                <a:latin typeface="Consolas" panose="020B0609020204030204" pitchFamily="49" charset="0"/>
+              </a:rPr>
+              <a:t>&lt;expr&gt; “-” &lt;expr&gt; | ...</a:t>
+            </a:r>
+          </a:p>
+        </p:txBody>
+      </p:sp>
+      <p:sp>
+        <p:nvSpPr>
+          <p:cNvPr id="5" name="TextBox 4">
+            <a:extLst>
+              <a:ext uri="{FF2B5EF4-FFF2-40B4-BE49-F238E27FC236}">
+                <a16:creationId xmlns:a16="http://schemas.microsoft.com/office/drawing/2014/main" id="{3A407244-B302-4BF4-B0F7-9F78DD04787E}"/>
+              </a:ext>
+            </a:extLst>
+          </p:cNvPr>
+          <p:cNvSpPr txBox="1"/>
+          <p:nvPr/>
+        </p:nvSpPr>
+        <p:spPr>
+          <a:xfrm>
             <a:off x="435894" y="5013177"/>
             <a:ext cx="8272212" cy="1569660"/>
           </a:xfrm>
@@ -16138,7 +17657,7 @@
 </p:sld>
 </file>
 
-<file path=ppt/slides/slide8.xml><?xml version="1.0" encoding="utf-8"?>
+<file path=ppt/slides/slide9.xml><?xml version="1.0" encoding="utf-8"?>
 <p:sld xmlns:a="http://schemas.openxmlformats.org/drawingml/2006/main" xmlns:r="http://schemas.openxmlformats.org/officeDocument/2006/relationships" xmlns:p="http://schemas.openxmlformats.org/presentationml/2006/main">
   <p:cSld>
     <p:spTree>
@@ -17157,810 +18676,6 @@
       <p:bldP spid="9" grpId="0" animBg="1"/>
     </p:bldLst>
   </p:timing>
-</p:sld>
-</file>
-
-<file path=ppt/slides/slide9.xml><?xml version="1.0" encoding="utf-8"?>
-<p:sld xmlns:a="http://schemas.openxmlformats.org/drawingml/2006/main" xmlns:r="http://schemas.openxmlformats.org/officeDocument/2006/relationships" xmlns:p="http://schemas.openxmlformats.org/presentationml/2006/main">
-  <p:cSld>
-    <p:spTree>
-      <p:nvGrpSpPr>
-        <p:cNvPr id="1" name=""/>
-        <p:cNvGrpSpPr/>
-        <p:nvPr/>
-      </p:nvGrpSpPr>
-      <p:grpSpPr>
-        <a:xfrm>
-          <a:off x="0" y="0"/>
-          <a:ext cx="0" cy="0"/>
-          <a:chOff x="0" y="0"/>
-          <a:chExt cx="0" cy="0"/>
-        </a:xfrm>
-      </p:grpSpPr>
-      <p:sp>
-        <p:nvSpPr>
-          <p:cNvPr id="2" name="Title 1">
-            <a:extLst>
-              <a:ext uri="{FF2B5EF4-FFF2-40B4-BE49-F238E27FC236}">
-                <a16:creationId xmlns:a16="http://schemas.microsoft.com/office/drawing/2014/main" id="{6E70DE25-7C8C-40FC-838C-7EB17BA1CFB1}"/>
-              </a:ext>
-            </a:extLst>
-          </p:cNvPr>
-          <p:cNvSpPr>
-            <a:spLocks noGrp="1"/>
-          </p:cNvSpPr>
-          <p:nvPr>
-            <p:ph type="title"/>
-          </p:nvPr>
-        </p:nvSpPr>
-        <p:spPr/>
-        <p:txBody>
-          <a:bodyPr/>
-          <a:lstStyle/>
-          <a:p>
-            <a:r>
-              <a:rPr lang="en-GB" dirty="0"/>
-              <a:t>Grammatical evolution example</a:t>
-            </a:r>
-          </a:p>
-        </p:txBody>
-      </p:sp>
-      <p:sp>
-        <p:nvSpPr>
-          <p:cNvPr id="4" name="Content Placeholder 2">
-            <a:extLst>
-              <a:ext uri="{FF2B5EF4-FFF2-40B4-BE49-F238E27FC236}">
-                <a16:creationId xmlns:a16="http://schemas.microsoft.com/office/drawing/2014/main" id="{658F0DBC-072C-4EE5-B410-0541385247C0}"/>
-              </a:ext>
-            </a:extLst>
-          </p:cNvPr>
-          <p:cNvSpPr txBox="1">
-            <a:spLocks/>
-          </p:cNvSpPr>
-          <p:nvPr/>
-        </p:nvSpPr>
-        <p:spPr>
-          <a:xfrm>
-            <a:off x="3995937" y="1832641"/>
-            <a:ext cx="5148064" cy="3180536"/>
-          </a:xfrm>
-          <a:prstGeom prst="rect">
-            <a:avLst/>
-          </a:prstGeom>
-        </p:spPr>
-        <p:txBody>
-          <a:bodyPr vert="horz" lIns="91440" tIns="45720" rIns="91440" bIns="45720" rtlCol="0" anchor="ctr">
-            <a:normAutofit/>
-          </a:bodyPr>
-          <a:lstStyle>
-            <a:lvl1pPr marL="229500" indent="-229500" algn="l" defTabSz="342900" rtl="0" eaLnBrk="1" latinLnBrk="0" hangingPunct="1">
-              <a:spcBef>
-                <a:spcPct val="20000"/>
-              </a:spcBef>
-              <a:spcAft>
-                <a:spcPts val="450"/>
-              </a:spcAft>
-              <a:buClr>
-                <a:schemeClr val="accent2"/>
-              </a:buClr>
-              <a:buSzPct val="92000"/>
-              <a:buFont typeface="Wingdings 2" panose="05020102010507070707" pitchFamily="18" charset="2"/>
-              <a:buChar char=""/>
-              <a:defRPr sz="2400" kern="1200">
-                <a:solidFill>
-                  <a:schemeClr val="tx2"/>
-                </a:solidFill>
-                <a:latin typeface="+mn-lt"/>
-                <a:ea typeface="+mn-ea"/>
-                <a:cs typeface="+mn-cs"/>
-              </a:defRPr>
-            </a:lvl1pPr>
-            <a:lvl2pPr marL="472500" indent="-229500" algn="l" defTabSz="342900" rtl="0" eaLnBrk="1" latinLnBrk="0" hangingPunct="1">
-              <a:spcBef>
-                <a:spcPct val="20000"/>
-              </a:spcBef>
-              <a:spcAft>
-                <a:spcPts val="450"/>
-              </a:spcAft>
-              <a:buClr>
-                <a:schemeClr val="accent2"/>
-              </a:buClr>
-              <a:buSzPct val="92000"/>
-              <a:buFont typeface="Wingdings 2" panose="05020102010507070707" pitchFamily="18" charset="2"/>
-              <a:buChar char=""/>
-              <a:defRPr sz="2400" kern="1200">
-                <a:solidFill>
-                  <a:schemeClr val="tx2"/>
-                </a:solidFill>
-                <a:latin typeface="+mn-lt"/>
-                <a:ea typeface="+mn-ea"/>
-                <a:cs typeface="+mn-cs"/>
-              </a:defRPr>
-            </a:lvl2pPr>
-            <a:lvl3pPr marL="675000" indent="-202500" algn="l" defTabSz="342900" rtl="0" eaLnBrk="1" latinLnBrk="0" hangingPunct="1">
-              <a:spcBef>
-                <a:spcPct val="20000"/>
-              </a:spcBef>
-              <a:spcAft>
-                <a:spcPts val="450"/>
-              </a:spcAft>
-              <a:buClr>
-                <a:schemeClr val="accent2"/>
-              </a:buClr>
-              <a:buSzPct val="92000"/>
-              <a:buFont typeface="Wingdings 2" panose="05020102010507070707" pitchFamily="18" charset="2"/>
-              <a:buChar char=""/>
-              <a:defRPr sz="1800" kern="1200">
-                <a:solidFill>
-                  <a:schemeClr val="tx2"/>
-                </a:solidFill>
-                <a:latin typeface="+mn-lt"/>
-                <a:ea typeface="+mn-ea"/>
-                <a:cs typeface="+mn-cs"/>
-              </a:defRPr>
-            </a:lvl3pPr>
-            <a:lvl4pPr marL="931500" indent="-175500" algn="l" defTabSz="342900" rtl="0" eaLnBrk="1" latinLnBrk="0" hangingPunct="1">
-              <a:spcBef>
-                <a:spcPct val="20000"/>
-              </a:spcBef>
-              <a:spcAft>
-                <a:spcPts val="450"/>
-              </a:spcAft>
-              <a:buClr>
-                <a:schemeClr val="accent2"/>
-              </a:buClr>
-              <a:buSzPct val="92000"/>
-              <a:buFont typeface="Wingdings 2" panose="05020102010507070707" pitchFamily="18" charset="2"/>
-              <a:buChar char=""/>
-              <a:defRPr sz="1400" kern="1200">
-                <a:solidFill>
-                  <a:schemeClr val="tx2"/>
-                </a:solidFill>
-                <a:latin typeface="+mn-lt"/>
-                <a:ea typeface="+mn-ea"/>
-                <a:cs typeface="+mn-cs"/>
-              </a:defRPr>
-            </a:lvl4pPr>
-            <a:lvl5pPr marL="1201500" indent="-175500" algn="l" defTabSz="342900" rtl="0" eaLnBrk="1" latinLnBrk="0" hangingPunct="1">
-              <a:spcBef>
-                <a:spcPct val="20000"/>
-              </a:spcBef>
-              <a:spcAft>
-                <a:spcPts val="450"/>
-              </a:spcAft>
-              <a:buClr>
-                <a:schemeClr val="accent2"/>
-              </a:buClr>
-              <a:buSzPct val="92000"/>
-              <a:buFont typeface="Wingdings 2" panose="05020102010507070707" pitchFamily="18" charset="2"/>
-              <a:buChar char=""/>
-              <a:defRPr sz="1400" kern="1200">
-                <a:solidFill>
-                  <a:schemeClr val="tx2"/>
-                </a:solidFill>
-                <a:latin typeface="+mn-lt"/>
-                <a:ea typeface="+mn-ea"/>
-                <a:cs typeface="+mn-cs"/>
-              </a:defRPr>
-            </a:lvl5pPr>
-            <a:lvl6pPr marL="1425000" indent="-171450" algn="l" defTabSz="342900" rtl="0" eaLnBrk="1" latinLnBrk="0" hangingPunct="1">
-              <a:spcBef>
-                <a:spcPct val="20000"/>
-              </a:spcBef>
-              <a:spcAft>
-                <a:spcPts val="450"/>
-              </a:spcAft>
-              <a:buClr>
-                <a:schemeClr val="accent2"/>
-              </a:buClr>
-              <a:buSzPct val="92000"/>
-              <a:buFont typeface="Wingdings 2" panose="05020102010507070707" pitchFamily="18" charset="2"/>
-              <a:buChar char=""/>
-              <a:defRPr sz="900" kern="1200">
-                <a:solidFill>
-                  <a:schemeClr val="tx2"/>
-                </a:solidFill>
-                <a:latin typeface="+mn-lt"/>
-                <a:ea typeface="+mn-ea"/>
-                <a:cs typeface="+mn-cs"/>
-              </a:defRPr>
-            </a:lvl6pPr>
-            <a:lvl7pPr marL="1650000" indent="-171450" algn="l" defTabSz="342900" rtl="0" eaLnBrk="1" latinLnBrk="0" hangingPunct="1">
-              <a:spcBef>
-                <a:spcPct val="20000"/>
-              </a:spcBef>
-              <a:spcAft>
-                <a:spcPts val="450"/>
-              </a:spcAft>
-              <a:buClr>
-                <a:schemeClr val="accent2"/>
-              </a:buClr>
-              <a:buSzPct val="92000"/>
-              <a:buFont typeface="Wingdings 2" panose="05020102010507070707" pitchFamily="18" charset="2"/>
-              <a:buChar char=""/>
-              <a:defRPr sz="900" kern="1200">
-                <a:solidFill>
-                  <a:schemeClr val="tx2"/>
-                </a:solidFill>
-                <a:latin typeface="+mn-lt"/>
-                <a:ea typeface="+mn-ea"/>
-                <a:cs typeface="+mn-cs"/>
-              </a:defRPr>
-            </a:lvl7pPr>
-            <a:lvl8pPr marL="1875000" indent="-171450" algn="l" defTabSz="342900" rtl="0" eaLnBrk="1" latinLnBrk="0" hangingPunct="1">
-              <a:spcBef>
-                <a:spcPct val="20000"/>
-              </a:spcBef>
-              <a:spcAft>
-                <a:spcPts val="450"/>
-              </a:spcAft>
-              <a:buClr>
-                <a:schemeClr val="accent2"/>
-              </a:buClr>
-              <a:buSzPct val="92000"/>
-              <a:buFont typeface="Wingdings 2" panose="05020102010507070707" pitchFamily="18" charset="2"/>
-              <a:buChar char=""/>
-              <a:defRPr sz="900" kern="1200">
-                <a:solidFill>
-                  <a:schemeClr val="tx2"/>
-                </a:solidFill>
-                <a:latin typeface="+mn-lt"/>
-                <a:ea typeface="+mn-ea"/>
-                <a:cs typeface="+mn-cs"/>
-              </a:defRPr>
-            </a:lvl8pPr>
-            <a:lvl9pPr marL="2100000" indent="-171450" algn="l" defTabSz="342900" rtl="0" eaLnBrk="1" latinLnBrk="0" hangingPunct="1">
-              <a:spcBef>
-                <a:spcPct val="20000"/>
-              </a:spcBef>
-              <a:spcAft>
-                <a:spcPts val="450"/>
-              </a:spcAft>
-              <a:buClr>
-                <a:schemeClr val="accent2"/>
-              </a:buClr>
-              <a:buSzPct val="92000"/>
-              <a:buFont typeface="Wingdings 2" panose="05020102010507070707" pitchFamily="18" charset="2"/>
-              <a:buChar char=""/>
-              <a:defRPr sz="900" kern="1200">
-                <a:solidFill>
-                  <a:schemeClr val="tx2"/>
-                </a:solidFill>
-                <a:latin typeface="+mn-lt"/>
-                <a:ea typeface="+mn-ea"/>
-                <a:cs typeface="+mn-cs"/>
-              </a:defRPr>
-            </a:lvl9pPr>
-          </a:lstStyle>
-          <a:p>
-            <a:pPr marL="1792288" indent="-1792288">
-              <a:buFont typeface="Wingdings 2" panose="05020102010507070707" pitchFamily="18" charset="2"/>
-              <a:buNone/>
-            </a:pPr>
-            <a:r>
-              <a:rPr lang="en-GB" sz="1400" dirty="0">
-                <a:latin typeface="Consolas" panose="020B0609020204030204" pitchFamily="49" charset="0"/>
-              </a:rPr>
-              <a:t>&lt;statement&gt;   ::= &lt;</a:t>
-            </a:r>
-            <a:r>
-              <a:rPr lang="en-GB" sz="1400" dirty="0" err="1">
-                <a:latin typeface="Consolas" panose="020B0609020204030204" pitchFamily="49" charset="0"/>
-              </a:rPr>
-              <a:t>if_stmt</a:t>
-            </a:r>
-            <a:r>
-              <a:rPr lang="en-GB" sz="1400" dirty="0">
-                <a:latin typeface="Consolas" panose="020B0609020204030204" pitchFamily="49" charset="0"/>
-              </a:rPr>
-              <a:t>&gt; | &lt;</a:t>
-            </a:r>
-            <a:r>
-              <a:rPr lang="en-GB" sz="1400" dirty="0" err="1">
-                <a:latin typeface="Consolas" panose="020B0609020204030204" pitchFamily="49" charset="0"/>
-              </a:rPr>
-              <a:t>call_stmt</a:t>
-            </a:r>
-            <a:r>
-              <a:rPr lang="en-GB" sz="1400" dirty="0">
-                <a:latin typeface="Consolas" panose="020B0609020204030204" pitchFamily="49" charset="0"/>
-              </a:rPr>
-              <a:t>&gt; | &lt;</a:t>
-            </a:r>
-            <a:r>
-              <a:rPr lang="en-GB" sz="1400" dirty="0" err="1">
-                <a:latin typeface="Consolas" panose="020B0609020204030204" pitchFamily="49" charset="0"/>
-              </a:rPr>
-              <a:t>assign_stmt</a:t>
-            </a:r>
-            <a:r>
-              <a:rPr lang="en-GB" sz="1400" dirty="0">
-                <a:latin typeface="Consolas" panose="020B0609020204030204" pitchFamily="49" charset="0"/>
-              </a:rPr>
-              <a:t>&gt; | ...</a:t>
-            </a:r>
-          </a:p>
-          <a:p>
-            <a:pPr marL="1792288" indent="-1792288">
-              <a:buFont typeface="Wingdings 2" panose="05020102010507070707" pitchFamily="18" charset="2"/>
-              <a:buNone/>
-            </a:pPr>
-            <a:r>
-              <a:rPr lang="en-GB" sz="1400" dirty="0">
-                <a:latin typeface="Consolas" panose="020B0609020204030204" pitchFamily="49" charset="0"/>
-              </a:rPr>
-              <a:t>&lt;</a:t>
-            </a:r>
-            <a:r>
-              <a:rPr lang="en-GB" sz="1400" dirty="0" err="1">
-                <a:latin typeface="Consolas" panose="020B0609020204030204" pitchFamily="49" charset="0"/>
-              </a:rPr>
-              <a:t>if_stmt</a:t>
-            </a:r>
-            <a:r>
-              <a:rPr lang="en-GB" sz="1400" dirty="0">
-                <a:latin typeface="Consolas" panose="020B0609020204030204" pitchFamily="49" charset="0"/>
-              </a:rPr>
-              <a:t>&gt;     ::= “if” &lt;condition&gt; &lt;statement&gt; “else” &lt;statement&gt;</a:t>
-            </a:r>
-          </a:p>
-          <a:p>
-            <a:pPr marL="1792288" indent="-1792288">
-              <a:buFont typeface="Wingdings 2" panose="05020102010507070707" pitchFamily="18" charset="2"/>
-              <a:buNone/>
-            </a:pPr>
-            <a:r>
-              <a:rPr lang="en-GB" sz="1400" dirty="0">
-                <a:latin typeface="Consolas" panose="020B0609020204030204" pitchFamily="49" charset="0"/>
-              </a:rPr>
-              <a:t>&lt;</a:t>
-            </a:r>
-            <a:r>
-              <a:rPr lang="en-GB" sz="1400" dirty="0" err="1">
-                <a:latin typeface="Consolas" panose="020B0609020204030204" pitchFamily="49" charset="0"/>
-              </a:rPr>
-              <a:t>assign_stmt</a:t>
-            </a:r>
-            <a:r>
-              <a:rPr lang="en-GB" sz="1400" dirty="0">
-                <a:latin typeface="Consolas" panose="020B0609020204030204" pitchFamily="49" charset="0"/>
-              </a:rPr>
-              <a:t>&gt; ::= &lt;variable&gt; “=“ &lt;expr&gt;</a:t>
-            </a:r>
-          </a:p>
-          <a:p>
-            <a:pPr marL="1792288" indent="-1792288">
-              <a:buFont typeface="Wingdings 2" panose="05020102010507070707" pitchFamily="18" charset="2"/>
-              <a:buNone/>
-            </a:pPr>
-            <a:r>
-              <a:rPr lang="en-GB" sz="1400" dirty="0">
-                <a:latin typeface="Consolas" panose="020B0609020204030204" pitchFamily="49" charset="0"/>
-              </a:rPr>
-              <a:t>&lt;condition&gt;   ::= &lt;expr&gt; “&lt;“ &lt;expr&gt; |</a:t>
-            </a:r>
-            <a:br>
-              <a:rPr lang="en-GB" sz="1400" dirty="0">
-                <a:latin typeface="Consolas" panose="020B0609020204030204" pitchFamily="49" charset="0"/>
-              </a:rPr>
-            </a:br>
-            <a:r>
-              <a:rPr lang="en-GB" sz="1400" dirty="0">
-                <a:latin typeface="Consolas" panose="020B0609020204030204" pitchFamily="49" charset="0"/>
-              </a:rPr>
-              <a:t>&lt;expr&gt; “&gt;” &lt;expr&gt; |</a:t>
-            </a:r>
-            <a:br>
-              <a:rPr lang="en-GB" sz="1400" dirty="0">
-                <a:latin typeface="Consolas" panose="020B0609020204030204" pitchFamily="49" charset="0"/>
-              </a:rPr>
-            </a:br>
-            <a:r>
-              <a:rPr lang="en-GB" sz="1400" dirty="0">
-                <a:latin typeface="Consolas" panose="020B0609020204030204" pitchFamily="49" charset="0"/>
-              </a:rPr>
-              <a:t>&lt;expr&gt; “==” &lt;expr&gt; | ...</a:t>
-            </a:r>
-          </a:p>
-          <a:p>
-            <a:pPr marL="1792288" indent="-1792288">
-              <a:buFont typeface="Wingdings 2" panose="05020102010507070707" pitchFamily="18" charset="2"/>
-              <a:buNone/>
-            </a:pPr>
-            <a:r>
-              <a:rPr lang="en-GB" sz="1400" dirty="0">
-                <a:latin typeface="Consolas" panose="020B0609020204030204" pitchFamily="49" charset="0"/>
-              </a:rPr>
-              <a:t>&lt;expr&gt;        ::= &lt;variable&gt; | &lt;int&gt; |</a:t>
-            </a:r>
-            <a:br>
-              <a:rPr lang="en-GB" sz="1400" dirty="0">
-                <a:latin typeface="Consolas" panose="020B0609020204030204" pitchFamily="49" charset="0"/>
-              </a:rPr>
-            </a:br>
-            <a:r>
-              <a:rPr lang="en-GB" sz="1400" dirty="0">
-                <a:latin typeface="Consolas" panose="020B0609020204030204" pitchFamily="49" charset="0"/>
-              </a:rPr>
-              <a:t>&lt;expr&gt; “+” &lt;expr&gt; |</a:t>
-            </a:r>
-            <a:br>
-              <a:rPr lang="en-GB" sz="1400" dirty="0">
-                <a:latin typeface="Consolas" panose="020B0609020204030204" pitchFamily="49" charset="0"/>
-              </a:rPr>
-            </a:br>
-            <a:r>
-              <a:rPr lang="en-GB" sz="1400" dirty="0">
-                <a:latin typeface="Consolas" panose="020B0609020204030204" pitchFamily="49" charset="0"/>
-              </a:rPr>
-              <a:t>&lt;expr&gt; “-” &lt;expr&gt; | ...</a:t>
-            </a:r>
-          </a:p>
-        </p:txBody>
-      </p:sp>
-      <p:sp>
-        <p:nvSpPr>
-          <p:cNvPr id="5" name="TextBox 4">
-            <a:extLst>
-              <a:ext uri="{FF2B5EF4-FFF2-40B4-BE49-F238E27FC236}">
-                <a16:creationId xmlns:a16="http://schemas.microsoft.com/office/drawing/2014/main" id="{3A407244-B302-4BF4-B0F7-9F78DD04787E}"/>
-              </a:ext>
-            </a:extLst>
-          </p:cNvPr>
-          <p:cNvSpPr txBox="1"/>
-          <p:nvPr/>
-        </p:nvSpPr>
-        <p:spPr>
-          <a:xfrm>
-            <a:off x="435894" y="5013177"/>
-            <a:ext cx="8272212" cy="1569660"/>
-          </a:xfrm>
-          <a:prstGeom prst="rect">
-            <a:avLst/>
-          </a:prstGeom>
-          <a:noFill/>
-        </p:spPr>
-        <p:txBody>
-          <a:bodyPr wrap="square" rtlCol="0">
-            <a:spAutoFit/>
-          </a:bodyPr>
-          <a:lstStyle/>
-          <a:p>
-            <a:r>
-              <a:rPr lang="en-GB" sz="2400" dirty="0">
-                <a:latin typeface="Consolas" panose="020B0609020204030204" pitchFamily="49" charset="0"/>
-              </a:rPr>
-              <a:t>if </a:t>
-            </a:r>
-            <a:r>
-              <a:rPr lang="en-GB" sz="2400" dirty="0">
-                <a:solidFill>
-                  <a:schemeClr val="accent6"/>
-                </a:solidFill>
-                <a:latin typeface="Consolas" panose="020B0609020204030204" pitchFamily="49" charset="0"/>
-              </a:rPr>
-              <a:t>&lt;variable&gt;</a:t>
-            </a:r>
-            <a:r>
-              <a:rPr lang="en-GB" sz="2400" dirty="0">
-                <a:latin typeface="Consolas" panose="020B0609020204030204" pitchFamily="49" charset="0"/>
-              </a:rPr>
-              <a:t> &gt; </a:t>
-            </a:r>
-            <a:r>
-              <a:rPr lang="en-GB" sz="2400" dirty="0">
-                <a:solidFill>
-                  <a:schemeClr val="accent6"/>
-                </a:solidFill>
-                <a:latin typeface="Consolas" panose="020B0609020204030204" pitchFamily="49" charset="0"/>
-              </a:rPr>
-              <a:t>&lt;expr&gt;</a:t>
-            </a:r>
-          </a:p>
-          <a:p>
-            <a:r>
-              <a:rPr lang="en-GB" sz="2400" dirty="0">
-                <a:latin typeface="Consolas" panose="020B0609020204030204" pitchFamily="49" charset="0"/>
-              </a:rPr>
-              <a:t>	</a:t>
-            </a:r>
-            <a:r>
-              <a:rPr lang="en-GB" sz="2400" dirty="0">
-                <a:solidFill>
-                  <a:schemeClr val="accent6"/>
-                </a:solidFill>
-                <a:latin typeface="Consolas" panose="020B0609020204030204" pitchFamily="49" charset="0"/>
-              </a:rPr>
-              <a:t>&lt;statement&gt;</a:t>
-            </a:r>
-          </a:p>
-          <a:p>
-            <a:r>
-              <a:rPr lang="en-GB" sz="2400" dirty="0">
-                <a:latin typeface="Consolas" panose="020B0609020204030204" pitchFamily="49" charset="0"/>
-              </a:rPr>
-              <a:t>else</a:t>
-            </a:r>
-          </a:p>
-          <a:p>
-            <a:r>
-              <a:rPr lang="en-GB" sz="2400" dirty="0">
-                <a:latin typeface="Consolas" panose="020B0609020204030204" pitchFamily="49" charset="0"/>
-              </a:rPr>
-              <a:t>	</a:t>
-            </a:r>
-            <a:r>
-              <a:rPr lang="en-GB" sz="2400" dirty="0">
-                <a:solidFill>
-                  <a:schemeClr val="accent6"/>
-                </a:solidFill>
-                <a:latin typeface="Consolas" panose="020B0609020204030204" pitchFamily="49" charset="0"/>
-              </a:rPr>
-              <a:t>&lt;statement&gt;</a:t>
-            </a:r>
-          </a:p>
-        </p:txBody>
-      </p:sp>
-      <p:graphicFrame>
-        <p:nvGraphicFramePr>
-          <p:cNvPr id="8" name="Table 6">
-            <a:extLst>
-              <a:ext uri="{FF2B5EF4-FFF2-40B4-BE49-F238E27FC236}">
-                <a16:creationId xmlns:a16="http://schemas.microsoft.com/office/drawing/2014/main" id="{E8711A1E-5494-4379-B67B-ADB380068891}"/>
-              </a:ext>
-            </a:extLst>
-          </p:cNvPr>
-          <p:cNvGraphicFramePr>
-            <a:graphicFrameLocks noGrp="1"/>
-          </p:cNvGraphicFramePr>
-          <p:nvPr>
-            <p:extLst>
-              <p:ext uri="{D42A27DB-BD31-4B8C-83A1-F6EECF244321}">
-                <p14:modId xmlns:p14="http://schemas.microsoft.com/office/powerpoint/2010/main" val="3686399583"/>
-              </p:ext>
-            </p:extLst>
-          </p:nvPr>
-        </p:nvGraphicFramePr>
-        <p:xfrm>
-          <a:off x="467544" y="4581128"/>
-          <a:ext cx="4876800" cy="370840"/>
-        </p:xfrm>
-        <a:graphic>
-          <a:graphicData uri="http://schemas.openxmlformats.org/drawingml/2006/table">
-            <a:tbl>
-              <a:tblPr bandRow="1">
-                <a:tableStyleId>{5C22544A-7EE6-4342-B048-85BDC9FD1C3A}</a:tableStyleId>
-              </a:tblPr>
-              <a:tblGrid>
-                <a:gridCol w="609600">
-                  <a:extLst>
-                    <a:ext uri="{9D8B030D-6E8A-4147-A177-3AD203B41FA5}">
-                      <a16:colId xmlns:a16="http://schemas.microsoft.com/office/drawing/2014/main" val="2441681079"/>
-                    </a:ext>
-                  </a:extLst>
-                </a:gridCol>
-                <a:gridCol w="609600">
-                  <a:extLst>
-                    <a:ext uri="{9D8B030D-6E8A-4147-A177-3AD203B41FA5}">
-                      <a16:colId xmlns:a16="http://schemas.microsoft.com/office/drawing/2014/main" val="4205758018"/>
-                    </a:ext>
-                  </a:extLst>
-                </a:gridCol>
-                <a:gridCol w="609600">
-                  <a:extLst>
-                    <a:ext uri="{9D8B030D-6E8A-4147-A177-3AD203B41FA5}">
-                      <a16:colId xmlns:a16="http://schemas.microsoft.com/office/drawing/2014/main" val="1755091250"/>
-                    </a:ext>
-                  </a:extLst>
-                </a:gridCol>
-                <a:gridCol w="609600">
-                  <a:extLst>
-                    <a:ext uri="{9D8B030D-6E8A-4147-A177-3AD203B41FA5}">
-                      <a16:colId xmlns:a16="http://schemas.microsoft.com/office/drawing/2014/main" val="4081397589"/>
-                    </a:ext>
-                  </a:extLst>
-                </a:gridCol>
-                <a:gridCol w="609600">
-                  <a:extLst>
-                    <a:ext uri="{9D8B030D-6E8A-4147-A177-3AD203B41FA5}">
-                      <a16:colId xmlns:a16="http://schemas.microsoft.com/office/drawing/2014/main" val="3726334863"/>
-                    </a:ext>
-                  </a:extLst>
-                </a:gridCol>
-                <a:gridCol w="609600">
-                  <a:extLst>
-                    <a:ext uri="{9D8B030D-6E8A-4147-A177-3AD203B41FA5}">
-                      <a16:colId xmlns:a16="http://schemas.microsoft.com/office/drawing/2014/main" val="3541494777"/>
-                    </a:ext>
-                  </a:extLst>
-                </a:gridCol>
-                <a:gridCol w="609600">
-                  <a:extLst>
-                    <a:ext uri="{9D8B030D-6E8A-4147-A177-3AD203B41FA5}">
-                      <a16:colId xmlns:a16="http://schemas.microsoft.com/office/drawing/2014/main" val="1252606793"/>
-                    </a:ext>
-                  </a:extLst>
-                </a:gridCol>
-                <a:gridCol w="609600">
-                  <a:extLst>
-                    <a:ext uri="{9D8B030D-6E8A-4147-A177-3AD203B41FA5}">
-                      <a16:colId xmlns:a16="http://schemas.microsoft.com/office/drawing/2014/main" val="705826219"/>
-                    </a:ext>
-                  </a:extLst>
-                </a:gridCol>
-              </a:tblGrid>
-              <a:tr h="370840">
-                <a:tc>
-                  <a:txBody>
-                    <a:bodyPr/>
-                    <a:lstStyle/>
-                    <a:p>
-                      <a:pPr algn="ctr"/>
-                      <a:r>
-                        <a:rPr lang="en-GB" dirty="0"/>
-                        <a:t>0</a:t>
-                      </a:r>
-                    </a:p>
-                  </a:txBody>
-                  <a:tcPr/>
-                </a:tc>
-                <a:tc>
-                  <a:txBody>
-                    <a:bodyPr/>
-                    <a:lstStyle/>
-                    <a:p>
-                      <a:pPr algn="ctr"/>
-                      <a:r>
-                        <a:rPr lang="en-GB" dirty="0"/>
-                        <a:t>1</a:t>
-                      </a:r>
-                    </a:p>
-                  </a:txBody>
-                  <a:tcPr/>
-                </a:tc>
-                <a:tc>
-                  <a:txBody>
-                    <a:bodyPr/>
-                    <a:lstStyle/>
-                    <a:p>
-                      <a:pPr algn="ctr"/>
-                      <a:r>
-                        <a:rPr lang="en-GB" dirty="0"/>
-                        <a:t>0</a:t>
-                      </a:r>
-                    </a:p>
-                  </a:txBody>
-                  <a:tcPr/>
-                </a:tc>
-                <a:tc>
-                  <a:txBody>
-                    <a:bodyPr/>
-                    <a:lstStyle/>
-                    <a:p>
-                      <a:pPr algn="ctr"/>
-                      <a:r>
-                        <a:rPr lang="en-GB" dirty="0"/>
-                        <a:t>27</a:t>
-                      </a:r>
-                    </a:p>
-                  </a:txBody>
-                  <a:tcPr/>
-                </a:tc>
-                <a:tc>
-                  <a:txBody>
-                    <a:bodyPr/>
-                    <a:lstStyle/>
-                    <a:p>
-                      <a:pPr algn="ctr"/>
-                      <a:r>
-                        <a:rPr lang="en-GB" dirty="0"/>
-                        <a:t>1</a:t>
-                      </a:r>
-                    </a:p>
-                  </a:txBody>
-                  <a:tcPr/>
-                </a:tc>
-                <a:tc>
-                  <a:txBody>
-                    <a:bodyPr/>
-                    <a:lstStyle/>
-                    <a:p>
-                      <a:pPr algn="ctr"/>
-                      <a:r>
-                        <a:rPr lang="en-GB" dirty="0"/>
-                        <a:t>10</a:t>
-                      </a:r>
-                    </a:p>
-                  </a:txBody>
-                  <a:tcPr/>
-                </a:tc>
-                <a:tc>
-                  <a:txBody>
-                    <a:bodyPr/>
-                    <a:lstStyle/>
-                    <a:p>
-                      <a:pPr algn="ctr"/>
-                      <a:r>
-                        <a:rPr lang="en-GB" dirty="0"/>
-                        <a:t>1</a:t>
-                      </a:r>
-                    </a:p>
-                  </a:txBody>
-                  <a:tcPr/>
-                </a:tc>
-                <a:tc>
-                  <a:txBody>
-                    <a:bodyPr/>
-                    <a:lstStyle/>
-                    <a:p>
-                      <a:pPr algn="ctr"/>
-                      <a:r>
-                        <a:rPr lang="en-GB" dirty="0"/>
-                        <a:t>…</a:t>
-                      </a:r>
-                    </a:p>
-                  </a:txBody>
-                  <a:tcPr/>
-                </a:tc>
-                <a:extLst>
-                  <a:ext uri="{0D108BD9-81ED-4DB2-BD59-A6C34878D82A}">
-                    <a16:rowId xmlns:a16="http://schemas.microsoft.com/office/drawing/2014/main" val="1940081025"/>
-                  </a:ext>
-                </a:extLst>
-              </a:tr>
-            </a:tbl>
-          </a:graphicData>
-        </a:graphic>
-      </p:graphicFrame>
-      <p:cxnSp>
-        <p:nvCxnSpPr>
-          <p:cNvPr id="9" name="Straight Arrow Connector 8">
-            <a:extLst>
-              <a:ext uri="{FF2B5EF4-FFF2-40B4-BE49-F238E27FC236}">
-                <a16:creationId xmlns:a16="http://schemas.microsoft.com/office/drawing/2014/main" id="{62610AE7-530B-4E38-81F6-F8B4182CEB19}"/>
-              </a:ext>
-            </a:extLst>
-          </p:cNvPr>
-          <p:cNvCxnSpPr/>
-          <p:nvPr/>
-        </p:nvCxnSpPr>
-        <p:spPr>
-          <a:xfrm>
-            <a:off x="2627784" y="4149080"/>
-            <a:ext cx="0" cy="360040"/>
-          </a:xfrm>
-          <a:prstGeom prst="straightConnector1">
-            <a:avLst/>
-          </a:prstGeom>
-          <a:ln>
-            <a:tailEnd type="triangle"/>
-          </a:ln>
-        </p:spPr>
-        <p:style>
-          <a:lnRef idx="1">
-            <a:schemeClr val="accent1"/>
-          </a:lnRef>
-          <a:fillRef idx="0">
-            <a:schemeClr val="accent1"/>
-          </a:fillRef>
-          <a:effectRef idx="0">
-            <a:schemeClr val="accent1"/>
-          </a:effectRef>
-          <a:fontRef idx="minor">
-            <a:schemeClr val="tx1"/>
-          </a:fontRef>
-        </p:style>
-      </p:cxnSp>
-    </p:spTree>
-    <p:extLst>
-      <p:ext uri="{BB962C8B-B14F-4D97-AF65-F5344CB8AC3E}">
-        <p14:creationId xmlns:p14="http://schemas.microsoft.com/office/powerpoint/2010/main" val="2614551160"/>
-      </p:ext>
-    </p:extLst>
-  </p:cSld>
-  <p:clrMapOvr>
-    <a:masterClrMapping/>
-  </p:clrMapOvr>
 </p:sld>
 </file>
 
